--- a/Slides/ISO8601-Presentation.pptx
+++ b/Slides/ISO8601-Presentation.pptx
@@ -3317,7 +3317,7 @@
         <p:spPr>
           <a:xfrm>
             <a:off x="609480" y="914400"/>
-            <a:ext cx="7847280" cy="3122640"/>
+            <a:ext cx="7846920" cy="3122280"/>
           </a:xfrm>
           <a:prstGeom prst="rect">
             <a:avLst/>
@@ -3400,7 +3400,7 @@
         <p:spPr>
           <a:xfrm>
             <a:off x="1295280" y="4038120"/>
-            <a:ext cx="6399360" cy="1751040"/>
+            <a:ext cx="6399000" cy="1750680"/>
           </a:xfrm>
           <a:prstGeom prst="rect">
             <a:avLst/>
@@ -3487,7 +3487,7 @@
         <p:spPr>
           <a:xfrm>
             <a:off x="685800" y="5439240"/>
-            <a:ext cx="4743000" cy="961560"/>
+            <a:ext cx="4742640" cy="961200"/>
           </a:xfrm>
           <a:prstGeom prst="rect">
             <a:avLst/>
@@ -3536,7 +3536,7 @@
         <p:spPr>
           <a:xfrm>
             <a:off x="457200" y="274680"/>
-            <a:ext cx="8228160" cy="1141560"/>
+            <a:ext cx="8227800" cy="1141200"/>
           </a:xfrm>
           <a:prstGeom prst="rect">
             <a:avLst/>
@@ -3587,7 +3587,7 @@
         <p:spPr>
           <a:xfrm>
             <a:off x="457200" y="1600200"/>
-            <a:ext cx="8228160" cy="4524480"/>
+            <a:ext cx="8227800" cy="4524120"/>
           </a:xfrm>
           <a:prstGeom prst="rect">
             <a:avLst/>
@@ -3608,7 +3608,7 @@
             <a:normAutofit fontScale="63000"/>
           </a:bodyPr>
           <a:p>
-            <a:pPr marL="343080" indent="-341640">
+            <a:pPr marL="343080" indent="-341280">
               <a:lnSpc>
                 <a:spcPct val="100000"/>
               </a:lnSpc>
@@ -3644,7 +3644,7 @@
             </a:endParaRPr>
           </a:p>
           <a:p>
-            <a:pPr marL="343080" indent="-341640">
+            <a:pPr marL="343080" indent="-341280">
               <a:lnSpc>
                 <a:spcPct val="100000"/>
               </a:lnSpc>
@@ -3680,7 +3680,7 @@
             </a:endParaRPr>
           </a:p>
           <a:p>
-            <a:pPr marL="343080" indent="-341640">
+            <a:pPr marL="343080" indent="-341280">
               <a:lnSpc>
                 <a:spcPct val="100000"/>
               </a:lnSpc>
@@ -3726,7 +3726,7 @@
             </a:endParaRPr>
           </a:p>
           <a:p>
-            <a:pPr marL="343080" indent="-341640">
+            <a:pPr marL="343080" indent="-341280">
               <a:lnSpc>
                 <a:spcPct val="100000"/>
               </a:lnSpc>
@@ -3792,7 +3792,7 @@
         <p:spPr>
           <a:xfrm>
             <a:off x="457200" y="274680"/>
-            <a:ext cx="8228160" cy="1141560"/>
+            <a:ext cx="8227800" cy="1141200"/>
           </a:xfrm>
           <a:prstGeom prst="rect">
             <a:avLst/>
@@ -3847,7 +3847,7 @@
         <p:spPr>
           <a:xfrm>
             <a:off x="374040" y="1523880"/>
-            <a:ext cx="7472880" cy="4163760"/>
+            <a:ext cx="7472520" cy="4163400"/>
           </a:xfrm>
           <a:prstGeom prst="rect">
             <a:avLst/>
@@ -3896,7 +3896,7 @@
         <p:spPr>
           <a:xfrm>
             <a:off x="457200" y="304920"/>
-            <a:ext cx="8228160" cy="1141560"/>
+            <a:ext cx="8227800" cy="1141200"/>
           </a:xfrm>
           <a:prstGeom prst="rect">
             <a:avLst/>
@@ -3947,7 +3947,7 @@
         <p:spPr>
           <a:xfrm>
             <a:off x="457200" y="1600200"/>
-            <a:ext cx="8228160" cy="4524480"/>
+            <a:ext cx="8227800" cy="4524120"/>
           </a:xfrm>
           <a:prstGeom prst="rect">
             <a:avLst/>
@@ -3968,7 +3968,7 @@
             <a:normAutofit/>
           </a:bodyPr>
           <a:p>
-            <a:pPr marL="343080" indent="-341640">
+            <a:pPr marL="343080" indent="-341280">
               <a:lnSpc>
                 <a:spcPct val="100000"/>
               </a:lnSpc>
@@ -3994,7 +3994,7 @@
             </a:endParaRPr>
           </a:p>
           <a:p>
-            <a:pPr marL="343080" indent="-341640">
+            <a:pPr marL="343080" indent="-341280">
               <a:lnSpc>
                 <a:spcPct val="100000"/>
               </a:lnSpc>
@@ -4045,7 +4045,7 @@
             </a:endParaRPr>
           </a:p>
           <a:p>
-            <a:pPr marL="343080" indent="-341640">
+            <a:pPr marL="343080" indent="-341280">
               <a:lnSpc>
                 <a:spcPct val="100000"/>
               </a:lnSpc>
@@ -4096,7 +4096,7 @@
             </a:endParaRPr>
           </a:p>
           <a:p>
-            <a:pPr marL="343080" indent="-341640">
+            <a:pPr marL="343080" indent="-341280">
               <a:lnSpc>
                 <a:spcPct val="100000"/>
               </a:lnSpc>
@@ -4163,7 +4163,7 @@
             </a:endParaRPr>
           </a:p>
           <a:p>
-            <a:pPr marL="343080" indent="-341640">
+            <a:pPr marL="343080" indent="-341280">
               <a:lnSpc>
                 <a:spcPct val="100000"/>
               </a:lnSpc>
@@ -4194,7 +4194,7 @@
             </a:endParaRPr>
           </a:p>
           <a:p>
-            <a:pPr marL="343080" indent="-341640">
+            <a:pPr marL="343080" indent="-341280">
               <a:lnSpc>
                 <a:spcPct val="100000"/>
               </a:lnSpc>
@@ -4225,7 +4225,7 @@
             </a:endParaRPr>
           </a:p>
           <a:p>
-            <a:pPr marL="343080" indent="-341640">
+            <a:pPr marL="343080" indent="-341280">
               <a:lnSpc>
                 <a:spcPct val="100000"/>
               </a:lnSpc>
@@ -4256,7 +4256,7 @@
             </a:endParaRPr>
           </a:p>
           <a:p>
-            <a:pPr marL="343080" indent="-341640">
+            <a:pPr marL="343080" indent="-341280">
               <a:lnSpc>
                 <a:spcPct val="100000"/>
               </a:lnSpc>
@@ -4287,7 +4287,7 @@
             </a:endParaRPr>
           </a:p>
           <a:p>
-            <a:pPr marL="343080" indent="-341640">
+            <a:pPr marL="343080" indent="-341280">
               <a:lnSpc>
                 <a:spcPct val="100000"/>
               </a:lnSpc>
@@ -4318,7 +4318,7 @@
             </a:endParaRPr>
           </a:p>
           <a:p>
-            <a:pPr marL="343080" indent="-341640">
+            <a:pPr marL="343080" indent="-341280">
               <a:lnSpc>
                 <a:spcPct val="100000"/>
               </a:lnSpc>
@@ -4349,7 +4349,7 @@
             </a:endParaRPr>
           </a:p>
           <a:p>
-            <a:pPr marL="343080" indent="-341640">
+            <a:pPr marL="343080" indent="-341280">
               <a:lnSpc>
                 <a:spcPct val="100000"/>
               </a:lnSpc>
@@ -4380,7 +4380,7 @@
             </a:endParaRPr>
           </a:p>
           <a:p>
-            <a:pPr marL="343080" indent="-341640">
+            <a:pPr marL="343080" indent="-341280">
               <a:lnSpc>
                 <a:spcPct val="100000"/>
               </a:lnSpc>
@@ -4436,7 +4436,7 @@
         <p:spPr>
           <a:xfrm>
             <a:off x="457200" y="274680"/>
-            <a:ext cx="8228160" cy="1141560"/>
+            <a:ext cx="8227800" cy="1141200"/>
           </a:xfrm>
           <a:prstGeom prst="rect">
             <a:avLst/>
@@ -4487,7 +4487,7 @@
         <p:spPr>
           <a:xfrm>
             <a:off x="457200" y="1600200"/>
-            <a:ext cx="8228160" cy="4524480"/>
+            <a:ext cx="8227800" cy="4524120"/>
           </a:xfrm>
           <a:prstGeom prst="rect">
             <a:avLst/>
@@ -4505,10 +4505,10 @@
         </p:style>
         <p:txBody>
           <a:bodyPr lIns="90000" rIns="90000" tIns="45000" bIns="45000">
-            <a:normAutofit fontScale="38000"/>
+            <a:normAutofit fontScale="39000"/>
           </a:bodyPr>
           <a:p>
-            <a:pPr marL="343080" indent="-341640">
+            <a:pPr marL="343080" indent="-341280">
               <a:lnSpc>
                 <a:spcPct val="100000"/>
               </a:lnSpc>
@@ -4524,7 +4524,7 @@
             </a:endParaRPr>
           </a:p>
           <a:p>
-            <a:pPr marL="343080" indent="-341640">
+            <a:pPr marL="343080" indent="-341280">
               <a:lnSpc>
                 <a:spcPct val="100000"/>
               </a:lnSpc>
@@ -4550,7 +4550,7 @@
             </a:endParaRPr>
           </a:p>
           <a:p>
-            <a:pPr marL="343080" indent="-341640">
+            <a:pPr marL="343080" indent="-341280">
               <a:lnSpc>
                 <a:spcPct val="100000"/>
               </a:lnSpc>
@@ -4581,7 +4581,7 @@
             </a:endParaRPr>
           </a:p>
           <a:p>
-            <a:pPr marL="343080" indent="-341640">
+            <a:pPr marL="343080" indent="-341280">
               <a:lnSpc>
                 <a:spcPct val="100000"/>
               </a:lnSpc>
@@ -4622,7 +4622,7 @@
             </a:endParaRPr>
           </a:p>
           <a:p>
-            <a:pPr marL="343080" indent="-341640">
+            <a:pPr marL="343080" indent="-341280">
               <a:lnSpc>
                 <a:spcPct val="100000"/>
               </a:lnSpc>
@@ -4669,7 +4669,7 @@
             </a:endParaRPr>
           </a:p>
           <a:p>
-            <a:pPr marL="343080" indent="-341640">
+            <a:pPr marL="343080" indent="-341280">
               <a:lnSpc>
                 <a:spcPct val="100000"/>
               </a:lnSpc>
@@ -4695,7 +4695,7 @@
             </a:endParaRPr>
           </a:p>
           <a:p>
-            <a:pPr marL="343080" indent="-341640">
+            <a:pPr marL="343080" indent="-341280">
               <a:lnSpc>
                 <a:spcPct val="100000"/>
               </a:lnSpc>
@@ -4751,7 +4751,7 @@
         <p:spPr>
           <a:xfrm>
             <a:off x="457200" y="274680"/>
-            <a:ext cx="8228160" cy="1141560"/>
+            <a:ext cx="8227800" cy="1141200"/>
           </a:xfrm>
           <a:prstGeom prst="rect">
             <a:avLst/>
@@ -4802,7 +4802,7 @@
         <p:spPr>
           <a:xfrm>
             <a:off x="457200" y="1600200"/>
-            <a:ext cx="8228160" cy="4524480"/>
+            <a:ext cx="8227800" cy="4524120"/>
           </a:xfrm>
           <a:prstGeom prst="rect">
             <a:avLst/>
@@ -4823,7 +4823,7 @@
             <a:normAutofit fontScale="25000"/>
           </a:bodyPr>
           <a:p>
-            <a:pPr marL="343080" indent="-341640">
+            <a:pPr marL="343080" indent="-341280">
               <a:lnSpc>
                 <a:spcPct val="100000"/>
               </a:lnSpc>
@@ -4851,7 +4851,7 @@
             </a:endParaRPr>
           </a:p>
           <a:p>
-            <a:pPr marL="343080" indent="-341640">
+            <a:pPr marL="343080" indent="-341280">
               <a:lnSpc>
                 <a:spcPct val="100000"/>
               </a:lnSpc>
@@ -4887,7 +4887,7 @@
             </a:endParaRPr>
           </a:p>
           <a:p>
-            <a:pPr marL="343080" indent="-341640">
+            <a:pPr marL="343080" indent="-341280">
               <a:lnSpc>
                 <a:spcPct val="100000"/>
               </a:lnSpc>
@@ -4918,7 +4918,7 @@
             </a:endParaRPr>
           </a:p>
           <a:p>
-            <a:pPr marL="343080" indent="-341640">
+            <a:pPr marL="343080" indent="-341280">
               <a:lnSpc>
                 <a:spcPct val="100000"/>
               </a:lnSpc>
@@ -4959,7 +4959,7 @@
             </a:endParaRPr>
           </a:p>
           <a:p>
-            <a:pPr marL="343080" indent="-341640">
+            <a:pPr marL="343080" indent="-341280">
               <a:lnSpc>
                 <a:spcPct val="100000"/>
               </a:lnSpc>
@@ -4990,7 +4990,7 @@
             </a:endParaRPr>
           </a:p>
           <a:p>
-            <a:pPr marL="343080" indent="-341640">
+            <a:pPr marL="343080" indent="-341280">
               <a:lnSpc>
                 <a:spcPct val="100000"/>
               </a:lnSpc>
@@ -5077,7 +5077,7 @@
         <p:spPr>
           <a:xfrm>
             <a:off x="457200" y="274680"/>
-            <a:ext cx="8228160" cy="790560"/>
+            <a:ext cx="8227800" cy="790200"/>
           </a:xfrm>
           <a:prstGeom prst="rect">
             <a:avLst/>
@@ -5128,7 +5128,7 @@
         <p:spPr>
           <a:xfrm>
             <a:off x="457200" y="1219320"/>
-            <a:ext cx="8228160" cy="4905360"/>
+            <a:ext cx="8227800" cy="4905000"/>
           </a:xfrm>
           <a:prstGeom prst="rect">
             <a:avLst/>
@@ -5149,7 +5149,7 @@
             <a:noAutofit/>
           </a:bodyPr>
           <a:p>
-            <a:pPr marL="343080" indent="-341640">
+            <a:pPr marL="343080" indent="-341280">
               <a:lnSpc>
                 <a:spcPct val="100000"/>
               </a:lnSpc>
@@ -5177,7 +5177,7 @@
             </a:endParaRPr>
           </a:p>
           <a:p>
-            <a:pPr marL="343080" indent="-341640">
+            <a:pPr marL="343080" indent="-341280">
               <a:lnSpc>
                 <a:spcPct val="100000"/>
               </a:lnSpc>
@@ -5205,7 +5205,7 @@
             </a:endParaRPr>
           </a:p>
           <a:p>
-            <a:pPr marL="343080" indent="-341640">
+            <a:pPr marL="343080" indent="-341280">
               <a:lnSpc>
                 <a:spcPct val="100000"/>
               </a:lnSpc>
@@ -5273,7 +5273,7 @@
         <p:spPr>
           <a:xfrm>
             <a:off x="457200" y="274680"/>
-            <a:ext cx="8228160" cy="790560"/>
+            <a:ext cx="8227800" cy="790200"/>
           </a:xfrm>
           <a:prstGeom prst="rect">
             <a:avLst/>
@@ -5324,7 +5324,7 @@
         <p:spPr>
           <a:xfrm>
             <a:off x="457200" y="1219320"/>
-            <a:ext cx="8228160" cy="4905360"/>
+            <a:ext cx="8227800" cy="4905000"/>
           </a:xfrm>
           <a:prstGeom prst="rect">
             <a:avLst/>
@@ -5345,7 +5345,7 @@
             <a:noAutofit/>
           </a:bodyPr>
           <a:p>
-            <a:pPr marL="343080" indent="-341640">
+            <a:pPr marL="343080" indent="-341280">
               <a:lnSpc>
                 <a:spcPct val="100000"/>
               </a:lnSpc>
@@ -5424,7 +5424,7 @@
         <p:spPr>
           <a:xfrm>
             <a:off x="457200" y="274680"/>
-            <a:ext cx="8228160" cy="638280"/>
+            <a:ext cx="8227800" cy="637920"/>
           </a:xfrm>
           <a:prstGeom prst="rect">
             <a:avLst/>
@@ -5442,7 +5442,7 @@
         </p:style>
         <p:txBody>
           <a:bodyPr lIns="90000" rIns="90000" tIns="45000" bIns="45000" anchor="ctr">
-            <a:normAutofit fontScale="97000"/>
+            <a:normAutofit fontScale="96000"/>
           </a:bodyPr>
           <a:p>
             <a:pPr algn="ctr">
@@ -5475,7 +5475,7 @@
         <p:spPr>
           <a:xfrm>
             <a:off x="457200" y="1143000"/>
-            <a:ext cx="8228160" cy="4981680"/>
+            <a:ext cx="8227800" cy="4981320"/>
           </a:xfrm>
           <a:prstGeom prst="rect">
             <a:avLst/>
@@ -5496,7 +5496,7 @@
             <a:normAutofit fontScale="15000"/>
           </a:bodyPr>
           <a:p>
-            <a:pPr marL="343080" indent="-341640">
+            <a:pPr marL="343080" indent="-341280">
               <a:lnSpc>
                 <a:spcPct val="100000"/>
               </a:lnSpc>
@@ -5512,7 +5512,7 @@
             </a:endParaRPr>
           </a:p>
           <a:p>
-            <a:pPr marL="343080" indent="-341640">
+            <a:pPr marL="343080" indent="-341280">
               <a:lnSpc>
                 <a:spcPct val="100000"/>
               </a:lnSpc>
@@ -5538,7 +5538,7 @@
             </a:endParaRPr>
           </a:p>
           <a:p>
-            <a:pPr marL="343080" indent="-341640">
+            <a:pPr marL="343080" indent="-341280">
               <a:lnSpc>
                 <a:spcPct val="100000"/>
               </a:lnSpc>
@@ -5574,7 +5574,7 @@
             </a:endParaRPr>
           </a:p>
           <a:p>
-            <a:pPr marL="343080" indent="-341640">
+            <a:pPr marL="343080" indent="-341280">
               <a:lnSpc>
                 <a:spcPct val="100000"/>
               </a:lnSpc>
@@ -5610,7 +5610,7 @@
             </a:endParaRPr>
           </a:p>
           <a:p>
-            <a:pPr marL="343080" indent="-341640">
+            <a:pPr marL="343080" indent="-341280">
               <a:lnSpc>
                 <a:spcPct val="100000"/>
               </a:lnSpc>
@@ -5646,7 +5646,7 @@
             </a:endParaRPr>
           </a:p>
           <a:p>
-            <a:pPr marL="343080" indent="-341640">
+            <a:pPr marL="343080" indent="-341280">
               <a:lnSpc>
                 <a:spcPct val="100000"/>
               </a:lnSpc>
@@ -5682,7 +5682,7 @@
             </a:endParaRPr>
           </a:p>
           <a:p>
-            <a:pPr marL="343080" indent="-341640">
+            <a:pPr marL="343080" indent="-341280">
               <a:lnSpc>
                 <a:spcPct val="100000"/>
               </a:lnSpc>
@@ -5718,7 +5718,7 @@
             </a:endParaRPr>
           </a:p>
           <a:p>
-            <a:pPr marL="343080" indent="-341640">
+            <a:pPr marL="343080" indent="-341280">
               <a:lnSpc>
                 <a:spcPct val="100000"/>
               </a:lnSpc>
@@ -5754,7 +5754,7 @@
             </a:endParaRPr>
           </a:p>
           <a:p>
-            <a:pPr marL="343080" indent="-341640">
+            <a:pPr marL="343080" indent="-341280">
               <a:lnSpc>
                 <a:spcPct val="100000"/>
               </a:lnSpc>
@@ -5790,7 +5790,7 @@
             </a:endParaRPr>
           </a:p>
           <a:p>
-            <a:pPr marL="343080" indent="-341640">
+            <a:pPr marL="343080" indent="-341280">
               <a:lnSpc>
                 <a:spcPct val="100000"/>
               </a:lnSpc>
@@ -5826,7 +5826,7 @@
             </a:endParaRPr>
           </a:p>
           <a:p>
-            <a:pPr marL="343080" indent="-341640">
+            <a:pPr marL="343080" indent="-341280">
               <a:lnSpc>
                 <a:spcPct val="100000"/>
               </a:lnSpc>
@@ -5862,7 +5862,7 @@
             </a:endParaRPr>
           </a:p>
           <a:p>
-            <a:pPr marL="343080" indent="-341640">
+            <a:pPr marL="343080" indent="-341280">
               <a:lnSpc>
                 <a:spcPct val="100000"/>
               </a:lnSpc>
@@ -5898,7 +5898,7 @@
             </a:endParaRPr>
           </a:p>
           <a:p>
-            <a:pPr marL="343080" indent="-341640">
+            <a:pPr marL="343080" indent="-341280">
               <a:lnSpc>
                 <a:spcPct val="100000"/>
               </a:lnSpc>
@@ -5934,7 +5934,7 @@
             </a:endParaRPr>
           </a:p>
           <a:p>
-            <a:pPr marL="343080" indent="-341640">
+            <a:pPr marL="343080" indent="-341280">
               <a:lnSpc>
                 <a:spcPct val="100000"/>
               </a:lnSpc>
@@ -5970,7 +5970,7 @@
             </a:endParaRPr>
           </a:p>
           <a:p>
-            <a:pPr marL="343080" indent="-341640">
+            <a:pPr marL="343080" indent="-341280">
               <a:lnSpc>
                 <a:spcPct val="100000"/>
               </a:lnSpc>
@@ -5986,7 +5986,7 @@
             </a:endParaRPr>
           </a:p>
           <a:p>
-            <a:pPr marL="343080" indent="-341640">
+            <a:pPr marL="343080" indent="-341280">
               <a:lnSpc>
                 <a:spcPct val="100000"/>
               </a:lnSpc>
@@ -6012,7 +6012,7 @@
             </a:endParaRPr>
           </a:p>
           <a:p>
-            <a:pPr marL="343080" indent="-341640">
+            <a:pPr marL="343080" indent="-341280">
               <a:lnSpc>
                 <a:spcPct val="100000"/>
               </a:lnSpc>
@@ -6028,7 +6028,7 @@
             </a:endParaRPr>
           </a:p>
           <a:p>
-            <a:pPr marL="343080" indent="-341640">
+            <a:pPr marL="343080" indent="-341280">
               <a:lnSpc>
                 <a:spcPct val="100000"/>
               </a:lnSpc>
@@ -6044,7 +6044,7 @@
             </a:endParaRPr>
           </a:p>
           <a:p>
-            <a:pPr marL="343080" indent="-341640">
+            <a:pPr marL="343080" indent="-341280">
               <a:lnSpc>
                 <a:spcPct val="100000"/>
               </a:lnSpc>
@@ -6070,7 +6070,7 @@
             </a:endParaRPr>
           </a:p>
           <a:p>
-            <a:pPr marL="343080" indent="-341640">
+            <a:pPr marL="343080" indent="-341280">
               <a:lnSpc>
                 <a:spcPct val="100000"/>
               </a:lnSpc>
@@ -6086,7 +6086,7 @@
             </a:endParaRPr>
           </a:p>
           <a:p>
-            <a:pPr marL="343080" indent="-341640">
+            <a:pPr marL="343080" indent="-341280">
               <a:lnSpc>
                 <a:spcPct val="100000"/>
               </a:lnSpc>
@@ -6112,7 +6112,7 @@
             </a:endParaRPr>
           </a:p>
           <a:p>
-            <a:pPr marL="343080" indent="-341640">
+            <a:pPr marL="343080" indent="-341280">
               <a:lnSpc>
                 <a:spcPct val="100000"/>
               </a:lnSpc>
@@ -6178,7 +6178,7 @@
         <p:spPr>
           <a:xfrm>
             <a:off x="457200" y="274680"/>
-            <a:ext cx="8228160" cy="1141560"/>
+            <a:ext cx="8227800" cy="1141200"/>
           </a:xfrm>
           <a:prstGeom prst="rect">
             <a:avLst/>
@@ -6229,7 +6229,7 @@
         <p:spPr>
           <a:xfrm>
             <a:off x="457200" y="1600200"/>
-            <a:ext cx="8228160" cy="4524480"/>
+            <a:ext cx="8227800" cy="4524120"/>
           </a:xfrm>
           <a:prstGeom prst="rect">
             <a:avLst/>
@@ -6250,7 +6250,7 @@
             <a:normAutofit fontScale="16000"/>
           </a:bodyPr>
           <a:p>
-            <a:pPr marL="343080" indent="-341640">
+            <a:pPr marL="343080" indent="-341280">
               <a:lnSpc>
                 <a:spcPct val="100000"/>
               </a:lnSpc>
@@ -6276,7 +6276,7 @@
             </a:endParaRPr>
           </a:p>
           <a:p>
-            <a:pPr marL="343080" indent="-341640">
+            <a:pPr marL="343080" indent="-341280">
               <a:lnSpc>
                 <a:spcPct val="100000"/>
               </a:lnSpc>
@@ -6307,7 +6307,7 @@
             </a:endParaRPr>
           </a:p>
           <a:p>
-            <a:pPr marL="343080" indent="-341640">
+            <a:pPr marL="343080" indent="-341280">
               <a:lnSpc>
                 <a:spcPct val="100000"/>
               </a:lnSpc>
@@ -6348,7 +6348,7 @@
             </a:endParaRPr>
           </a:p>
           <a:p>
-            <a:pPr marL="343080" indent="-341640">
+            <a:pPr marL="343080" indent="-341280">
               <a:lnSpc>
                 <a:spcPct val="100000"/>
               </a:lnSpc>
@@ -6364,7 +6364,7 @@
             </a:endParaRPr>
           </a:p>
           <a:p>
-            <a:pPr marL="343080" indent="-341640">
+            <a:pPr marL="343080" indent="-341280">
               <a:lnSpc>
                 <a:spcPct val="100000"/>
               </a:lnSpc>
@@ -6400,7 +6400,7 @@
             </a:endParaRPr>
           </a:p>
           <a:p>
-            <a:pPr marL="343080" indent="-341640">
+            <a:pPr marL="343080" indent="-341280">
               <a:lnSpc>
                 <a:spcPct val="100000"/>
               </a:lnSpc>
@@ -6426,7 +6426,7 @@
             </a:endParaRPr>
           </a:p>
           <a:p>
-            <a:pPr marL="343080" indent="-341640">
+            <a:pPr marL="343080" indent="-341280">
               <a:lnSpc>
                 <a:spcPct val="100000"/>
               </a:lnSpc>
@@ -6462,7 +6462,7 @@
             </a:endParaRPr>
           </a:p>
           <a:p>
-            <a:pPr marL="343080" indent="-341640">
+            <a:pPr marL="343080" indent="-341280">
               <a:lnSpc>
                 <a:spcPct val="100000"/>
               </a:lnSpc>
@@ -6478,7 +6478,7 @@
             </a:endParaRPr>
           </a:p>
           <a:p>
-            <a:pPr marL="343080" indent="-341640">
+            <a:pPr marL="343080" indent="-341280">
               <a:lnSpc>
                 <a:spcPct val="100000"/>
               </a:lnSpc>
@@ -6548,13 +6548,13 @@
       <p:sp>
         <p:nvSpPr>
           <p:cNvPr id="113" name=""/>
-          <p:cNvSpPr txBox="1"/>
+          <p:cNvSpPr/>
           <p:nvPr/>
         </p:nvSpPr>
         <p:spPr>
           <a:xfrm>
             <a:off x="1143000" y="1371600"/>
-            <a:ext cx="6400800" cy="715320"/>
+            <a:ext cx="6400440" cy="714960"/>
           </a:xfrm>
           <a:prstGeom prst="rect">
             <a:avLst/>
@@ -6564,11 +6564,22 @@
             <a:noFill/>
           </a:ln>
         </p:spPr>
+        <p:style>
+          <a:lnRef idx="0"/>
+          <a:fillRef idx="0"/>
+          <a:effectRef idx="0"/>
+          <a:fontRef idx="minor"/>
+        </p:style>
         <p:txBody>
           <a:bodyPr lIns="90000" rIns="90000" tIns="45000" bIns="45000">
             <a:noAutofit/>
           </a:bodyPr>
           <a:p>
+            <a:pPr>
+              <a:lnSpc>
+                <a:spcPct val="100000"/>
+              </a:lnSpc>
+            </a:pPr>
             <a:r>
               <a:rPr b="0" lang="en-US" sz="4400" spc="-1" strike="noStrike">
                 <a:latin typeface="Arial"/>
@@ -6620,7 +6631,7 @@
         <p:spPr>
           <a:xfrm>
             <a:off x="457200" y="274680"/>
-            <a:ext cx="8228160" cy="1141560"/>
+            <a:ext cx="8227800" cy="1141200"/>
           </a:xfrm>
           <a:prstGeom prst="rect">
             <a:avLst/>
@@ -6671,7 +6682,7 @@
         <p:spPr>
           <a:xfrm>
             <a:off x="457200" y="1600200"/>
-            <a:ext cx="8228160" cy="4524480"/>
+            <a:ext cx="8227800" cy="4524120"/>
           </a:xfrm>
           <a:prstGeom prst="rect">
             <a:avLst/>
@@ -6692,7 +6703,7 @@
             <a:noAutofit/>
           </a:bodyPr>
           <a:p>
-            <a:pPr marL="343080" indent="-341640">
+            <a:pPr marL="343080" indent="-341280">
               <a:lnSpc>
                 <a:spcPct val="100000"/>
               </a:lnSpc>
@@ -6720,7 +6731,7 @@
             </a:endParaRPr>
           </a:p>
           <a:p>
-            <a:pPr marL="343080" indent="-341640">
+            <a:pPr marL="343080" indent="-341280">
               <a:lnSpc>
                 <a:spcPct val="100000"/>
               </a:lnSpc>
@@ -6748,7 +6759,7 @@
             </a:endParaRPr>
           </a:p>
           <a:p>
-            <a:pPr marL="343080" indent="-341640">
+            <a:pPr marL="343080" indent="-341280">
               <a:lnSpc>
                 <a:spcPct val="100000"/>
               </a:lnSpc>
@@ -6816,7 +6827,7 @@
         <p:spPr>
           <a:xfrm>
             <a:off x="457200" y="274680"/>
-            <a:ext cx="8228160" cy="1141560"/>
+            <a:ext cx="8227800" cy="1141200"/>
           </a:xfrm>
           <a:prstGeom prst="rect">
             <a:avLst/>
@@ -6867,7 +6878,7 @@
         <p:spPr>
           <a:xfrm>
             <a:off x="457200" y="1600200"/>
-            <a:ext cx="8228160" cy="4524480"/>
+            <a:ext cx="8227800" cy="4524120"/>
           </a:xfrm>
           <a:prstGeom prst="rect">
             <a:avLst/>
@@ -6888,7 +6899,7 @@
             <a:normAutofit fontScale="45000"/>
           </a:bodyPr>
           <a:p>
-            <a:pPr marL="343080" indent="-341640">
+            <a:pPr marL="343080" indent="-341280">
               <a:lnSpc>
                 <a:spcPct val="100000"/>
               </a:lnSpc>
@@ -6916,7 +6927,7 @@
             </a:endParaRPr>
           </a:p>
           <a:p>
-            <a:pPr marL="343080" indent="-341640">
+            <a:pPr marL="343080" indent="-341280">
               <a:lnSpc>
                 <a:spcPct val="100000"/>
               </a:lnSpc>
@@ -6954,7 +6965,7 @@
             </a:endParaRPr>
           </a:p>
           <a:p>
-            <a:pPr marL="343080" indent="-341640">
+            <a:pPr marL="343080" indent="-341280">
               <a:lnSpc>
                 <a:spcPct val="100000"/>
               </a:lnSpc>
@@ -6982,7 +6993,7 @@
             </a:endParaRPr>
           </a:p>
           <a:p>
-            <a:pPr marL="343080" indent="-341640">
+            <a:pPr marL="343080" indent="-341280">
               <a:lnSpc>
                 <a:spcPct val="100000"/>
               </a:lnSpc>
@@ -7010,7 +7021,7 @@
             </a:endParaRPr>
           </a:p>
           <a:p>
-            <a:pPr marL="343080" indent="-341640">
+            <a:pPr marL="343080" indent="-341280">
               <a:lnSpc>
                 <a:spcPct val="100000"/>
               </a:lnSpc>
@@ -7038,7 +7049,7 @@
             </a:endParaRPr>
           </a:p>
           <a:p>
-            <a:pPr marL="343080" indent="-341640">
+            <a:pPr marL="343080" indent="-341280">
               <a:lnSpc>
                 <a:spcPct val="100000"/>
               </a:lnSpc>
@@ -7106,7 +7117,7 @@
         <p:spPr>
           <a:xfrm>
             <a:off x="457200" y="1600200"/>
-            <a:ext cx="8228160" cy="4524480"/>
+            <a:ext cx="8227800" cy="4524120"/>
           </a:xfrm>
           <a:prstGeom prst="rect">
             <a:avLst/>
@@ -7127,7 +7138,7 @@
             <a:normAutofit/>
           </a:bodyPr>
           <a:p>
-            <a:pPr marL="343080" indent="-341640">
+            <a:pPr marL="343080" indent="-341280">
               <a:lnSpc>
                 <a:spcPct val="100000"/>
               </a:lnSpc>
@@ -7155,7 +7166,7 @@
             </a:endParaRPr>
           </a:p>
           <a:p>
-            <a:pPr marL="343080" indent="-341640">
+            <a:pPr marL="343080" indent="-341280">
               <a:lnSpc>
                 <a:spcPct val="100000"/>
               </a:lnSpc>
@@ -7310,7 +7321,7 @@
         <p:spPr>
           <a:xfrm>
             <a:off x="457200" y="274680"/>
-            <a:ext cx="8228160" cy="1141560"/>
+            <a:ext cx="8227800" cy="1141200"/>
           </a:xfrm>
           <a:prstGeom prst="rect">
             <a:avLst/>
@@ -7361,7 +7372,7 @@
         <p:spPr>
           <a:xfrm>
             <a:off x="457200" y="1600200"/>
-            <a:ext cx="8228160" cy="4524480"/>
+            <a:ext cx="8227800" cy="4524120"/>
           </a:xfrm>
           <a:prstGeom prst="rect">
             <a:avLst/>
@@ -7382,7 +7393,7 @@
             <a:normAutofit fontScale="94000"/>
           </a:bodyPr>
           <a:p>
-            <a:pPr marL="343080" indent="-341640">
+            <a:pPr marL="343080" indent="-341280">
               <a:lnSpc>
                 <a:spcPct val="100000"/>
               </a:lnSpc>
@@ -7410,7 +7421,7 @@
             </a:endParaRPr>
           </a:p>
           <a:p>
-            <a:pPr lvl="1" marL="743040" indent="-284400">
+            <a:pPr lvl="1" marL="743040" indent="-284040">
               <a:lnSpc>
                 <a:spcPct val="100000"/>
               </a:lnSpc>
@@ -7449,7 +7460,7 @@
             </a:endParaRPr>
           </a:p>
           <a:p>
-            <a:pPr marL="343080" indent="-341640">
+            <a:pPr marL="343080" indent="-341280">
               <a:lnSpc>
                 <a:spcPct val="100000"/>
               </a:lnSpc>
@@ -7477,7 +7488,7 @@
             </a:endParaRPr>
           </a:p>
           <a:p>
-            <a:pPr lvl="1" marL="743040" indent="-284400">
+            <a:pPr lvl="1" marL="743040" indent="-284040">
               <a:lnSpc>
                 <a:spcPct val="100000"/>
               </a:lnSpc>
@@ -7558,7 +7569,7 @@
         <p:spPr>
           <a:xfrm>
             <a:off x="685800" y="914400"/>
-            <a:ext cx="8000640" cy="7808400"/>
+            <a:ext cx="8000280" cy="7808040"/>
           </a:xfrm>
           <a:prstGeom prst="rect">
             <a:avLst/>
@@ -7586,7 +7597,11 @@
             </a:pPr>
             <a:r>
               <a:rPr b="0" lang="en-US" sz="2600" spc="-1" strike="noStrike">
+                <a:solidFill>
+                  <a:srgbClr val="000000"/>
+                </a:solidFill>
                 <a:latin typeface="Arial"/>
+                <a:ea typeface="DejaVu Sans"/>
               </a:rPr>
               <a:t>EDTF → ISO-8601:2019</a:t>
             </a:r>
@@ -7612,7 +7627,11 @@
             </a:pPr>
             <a:r>
               <a:rPr b="0" lang="en-US" sz="2200" spc="-1" strike="noStrike">
+                <a:solidFill>
+                  <a:srgbClr val="000000"/>
+                </a:solidFill>
                 <a:latin typeface="Arial"/>
+                <a:ea typeface="DejaVu Sans"/>
               </a:rPr>
               <a:t>Predecessors:</a:t>
             </a:r>
@@ -7628,13 +7647,21 @@
             </a:pPr>
             <a:r>
               <a:rPr b="0" lang="en-US" sz="2200" spc="-1" strike="noStrike">
+                <a:solidFill>
+                  <a:srgbClr val="000000"/>
+                </a:solidFill>
                 <a:latin typeface="Arial"/>
+                <a:ea typeface="DejaVu Sans"/>
               </a:rPr>
               <a:t>    • </a:t>
             </a:r>
             <a:r>
               <a:rPr b="0" lang="en-US" sz="2200" spc="-1" strike="noStrike">
+                <a:solidFill>
+                  <a:srgbClr val="000000"/>
+                </a:solidFill>
                 <a:latin typeface="Arial"/>
+                <a:ea typeface="DejaVu Sans"/>
               </a:rPr>
               <a:t>ISO 2014:1976 (all-numeric dates)</a:t>
             </a:r>
@@ -7650,13 +7677,21 @@
             </a:pPr>
             <a:r>
               <a:rPr b="0" lang="en-US" sz="2200" spc="-1" strike="noStrike">
+                <a:solidFill>
+                  <a:srgbClr val="000000"/>
+                </a:solidFill>
                 <a:latin typeface="Arial"/>
+                <a:ea typeface="DejaVu Sans"/>
               </a:rPr>
               <a:t>    • </a:t>
             </a:r>
             <a:r>
               <a:rPr b="0" lang="en-US" sz="2200" spc="-1" strike="noStrike">
+                <a:solidFill>
+                  <a:srgbClr val="000000"/>
+                </a:solidFill>
                 <a:latin typeface="Arial"/>
+                <a:ea typeface="DejaVu Sans"/>
               </a:rPr>
               <a:t>ISO 2015:1976 (week numbering)</a:t>
             </a:r>
@@ -7672,13 +7707,21 @@
             </a:pPr>
             <a:r>
               <a:rPr b="0" lang="en-US" sz="2200" spc="-1" strike="noStrike">
+                <a:solidFill>
+                  <a:srgbClr val="000000"/>
+                </a:solidFill>
                 <a:latin typeface="Arial"/>
+                <a:ea typeface="DejaVu Sans"/>
               </a:rPr>
               <a:t>    • </a:t>
             </a:r>
             <a:r>
               <a:rPr b="0" lang="en-US" sz="2200" spc="-1" strike="noStrike">
+                <a:solidFill>
+                  <a:srgbClr val="000000"/>
+                </a:solidFill>
                 <a:latin typeface="Arial"/>
+                <a:ea typeface="DejaVu Sans"/>
               </a:rPr>
               <a:t>ISO 2711:1973 (ordinal date numbering)</a:t>
             </a:r>
@@ -7694,13 +7737,21 @@
             </a:pPr>
             <a:r>
               <a:rPr b="0" lang="en-US" sz="2200" spc="-1" strike="noStrike">
+                <a:solidFill>
+                  <a:srgbClr val="000000"/>
+                </a:solidFill>
                 <a:latin typeface="Arial"/>
+                <a:ea typeface="DejaVu Sans"/>
               </a:rPr>
               <a:t>    • </a:t>
             </a:r>
             <a:r>
               <a:rPr b="0" lang="en-US" sz="2200" spc="-1" strike="noStrike">
+                <a:solidFill>
+                  <a:srgbClr val="000000"/>
+                </a:solidFill>
                 <a:latin typeface="Arial"/>
+                <a:ea typeface="DejaVu Sans"/>
               </a:rPr>
               <a:t>ISO 3307:1975 (representations of time of the day)</a:t>
             </a:r>
@@ -7716,13 +7767,21 @@
             </a:pPr>
             <a:r>
               <a:rPr b="0" lang="en-US" sz="2200" spc="-1" strike="noStrike">
+                <a:solidFill>
+                  <a:srgbClr val="000000"/>
+                </a:solidFill>
                 <a:latin typeface="Arial"/>
+                <a:ea typeface="DejaVu Sans"/>
               </a:rPr>
               <a:t>    • </a:t>
             </a:r>
             <a:r>
               <a:rPr b="0" lang="en-US" sz="2200" spc="-1" strike="noStrike">
+                <a:solidFill>
+                  <a:srgbClr val="000000"/>
+                </a:solidFill>
                 <a:latin typeface="Arial"/>
+                <a:ea typeface="DejaVu Sans"/>
               </a:rPr>
               <a:t>ISO 4031:1978 (time differentials)</a:t>
             </a:r>
@@ -7738,7 +7797,11 @@
             </a:pPr>
             <a:r>
               <a:rPr b="0" lang="en-US" sz="2200" spc="-1" strike="noStrike">
+                <a:solidFill>
+                  <a:srgbClr val="000000"/>
+                </a:solidFill>
                 <a:latin typeface="Arial"/>
+                <a:ea typeface="DejaVu Sans"/>
               </a:rPr>
               <a:t>These standards were all superseded by the first ISO 8601, ISO 8601:1988.</a:t>
             </a:r>
@@ -7764,7 +7827,11 @@
             </a:pPr>
             <a:r>
               <a:rPr b="0" lang="en-US" sz="2200" spc="-1" strike="noStrike">
+                <a:solidFill>
+                  <a:srgbClr val="000000"/>
+                </a:solidFill>
                 <a:latin typeface="Arial"/>
+                <a:ea typeface="DejaVu Sans"/>
               </a:rPr>
               <a:t>And subsequently ISO 8601 has been updated multiple times:</a:t>
             </a:r>
@@ -7780,13 +7847,21 @@
             </a:pPr>
             <a:r>
               <a:rPr b="0" lang="en-US" sz="2200" spc="-1" strike="noStrike">
+                <a:solidFill>
+                  <a:srgbClr val="000000"/>
+                </a:solidFill>
                 <a:latin typeface="Arial"/>
+                <a:ea typeface="DejaVu Sans"/>
               </a:rPr>
               <a:t>    • </a:t>
             </a:r>
             <a:r>
               <a:rPr b="0" lang="en-US" sz="2200" spc="-1" strike="noStrike">
+                <a:solidFill>
+                  <a:srgbClr val="000000"/>
+                </a:solidFill>
                 <a:latin typeface="Arial"/>
+                <a:ea typeface="DejaVu Sans"/>
               </a:rPr>
               <a:t>ISO 8601:1988</a:t>
             </a:r>
@@ -7802,13 +7877,21 @@
             </a:pPr>
             <a:r>
               <a:rPr b="0" lang="en-US" sz="2200" spc="-1" strike="noStrike">
+                <a:solidFill>
+                  <a:srgbClr val="000000"/>
+                </a:solidFill>
                 <a:latin typeface="Arial"/>
+                <a:ea typeface="DejaVu Sans"/>
               </a:rPr>
               <a:t>    • </a:t>
             </a:r>
             <a:r>
               <a:rPr b="0" lang="en-US" sz="2200" spc="-1" strike="noStrike">
+                <a:solidFill>
+                  <a:srgbClr val="000000"/>
+                </a:solidFill>
                 <a:latin typeface="Arial"/>
+                <a:ea typeface="DejaVu Sans"/>
               </a:rPr>
               <a:t>ISO 8601:1988/Cor 1:1991</a:t>
             </a:r>
@@ -7824,13 +7907,21 @@
             </a:pPr>
             <a:r>
               <a:rPr b="0" lang="en-US" sz="2200" spc="-1" strike="noStrike">
+                <a:solidFill>
+                  <a:srgbClr val="000000"/>
+                </a:solidFill>
                 <a:latin typeface="Arial"/>
+                <a:ea typeface="DejaVu Sans"/>
               </a:rPr>
               <a:t>    • </a:t>
             </a:r>
             <a:r>
               <a:rPr b="0" lang="en-US" sz="2200" spc="-1" strike="noStrike">
+                <a:solidFill>
+                  <a:srgbClr val="000000"/>
+                </a:solidFill>
                 <a:latin typeface="Arial"/>
+                <a:ea typeface="DejaVu Sans"/>
               </a:rPr>
               <a:t>ISO 8601:2000</a:t>
             </a:r>
@@ -7846,13 +7937,21 @@
             </a:pPr>
             <a:r>
               <a:rPr b="0" lang="en-US" sz="2200" spc="-1" strike="noStrike">
+                <a:solidFill>
+                  <a:srgbClr val="000000"/>
+                </a:solidFill>
                 <a:latin typeface="Arial"/>
+                <a:ea typeface="DejaVu Sans"/>
               </a:rPr>
               <a:t>    • </a:t>
             </a:r>
             <a:r>
               <a:rPr b="0" lang="en-US" sz="2200" spc="-1" strike="noStrike">
+                <a:solidFill>
+                  <a:srgbClr val="000000"/>
+                </a:solidFill>
                 <a:latin typeface="Arial"/>
+                <a:ea typeface="DejaVu Sans"/>
               </a:rPr>
               <a:t>ISO 8601:2004</a:t>
             </a:r>
@@ -7961,7 +8060,7 @@
         <p:spPr>
           <a:xfrm>
             <a:off x="457200" y="274680"/>
-            <a:ext cx="8228160" cy="1141560"/>
+            <a:ext cx="8227800" cy="1141200"/>
           </a:xfrm>
           <a:prstGeom prst="rect">
             <a:avLst/>
@@ -8012,7 +8111,7 @@
         <p:spPr>
           <a:xfrm>
             <a:off x="457200" y="1600200"/>
-            <a:ext cx="8228160" cy="4524480"/>
+            <a:ext cx="8227800" cy="4524120"/>
           </a:xfrm>
           <a:prstGeom prst="rect">
             <a:avLst/>
@@ -8046,7 +8145,7 @@
             </a:endParaRPr>
           </a:p>
           <a:p>
-            <a:pPr marL="343080" indent="-341640">
+            <a:pPr marL="343080" indent="-341280">
               <a:lnSpc>
                 <a:spcPct val="100000"/>
               </a:lnSpc>
@@ -8085,7 +8184,7 @@
             </a:endParaRPr>
           </a:p>
           <a:p>
-            <a:pPr marL="343080" indent="-341640">
+            <a:pPr marL="343080" indent="-341280">
               <a:lnSpc>
                 <a:spcPct val="100000"/>
               </a:lnSpc>
@@ -8124,7 +8223,7 @@
             </a:endParaRPr>
           </a:p>
           <a:p>
-            <a:pPr marL="343080" indent="-341640">
+            <a:pPr marL="343080" indent="-341280">
               <a:lnSpc>
                 <a:spcPct val="100000"/>
               </a:lnSpc>
@@ -8205,7 +8304,7 @@
         <p:spPr>
           <a:xfrm>
             <a:off x="457200" y="274680"/>
-            <a:ext cx="8228160" cy="1141560"/>
+            <a:ext cx="8227800" cy="1141200"/>
           </a:xfrm>
           <a:prstGeom prst="rect">
             <a:avLst/>
@@ -8256,7 +8355,7 @@
         <p:spPr>
           <a:xfrm>
             <a:off x="457200" y="1600200"/>
-            <a:ext cx="8228160" cy="4524480"/>
+            <a:ext cx="8227800" cy="4524120"/>
           </a:xfrm>
           <a:prstGeom prst="rect">
             <a:avLst/>
@@ -8277,7 +8376,7 @@
             <a:noAutofit/>
           </a:bodyPr>
           <a:p>
-            <a:pPr marL="343080" indent="-341640">
+            <a:pPr marL="343080" indent="-341280">
               <a:lnSpc>
                 <a:spcPct val="100000"/>
               </a:lnSpc>
@@ -8316,7 +8415,7 @@
             </a:endParaRPr>
           </a:p>
           <a:p>
-            <a:pPr marL="343080" indent="-341640">
+            <a:pPr marL="343080" indent="-341280">
               <a:lnSpc>
                 <a:spcPct val="100000"/>
               </a:lnSpc>
@@ -8355,7 +8454,7 @@
             </a:endParaRPr>
           </a:p>
           <a:p>
-            <a:pPr marL="343080" indent="-341640">
+            <a:pPr marL="343080" indent="-341280">
               <a:lnSpc>
                 <a:spcPct val="100000"/>
               </a:lnSpc>
@@ -8423,7 +8522,7 @@
         <p:spPr>
           <a:xfrm>
             <a:off x="457200" y="274680"/>
-            <a:ext cx="8228160" cy="1141560"/>
+            <a:ext cx="8227800" cy="1141200"/>
           </a:xfrm>
           <a:prstGeom prst="rect">
             <a:avLst/>
@@ -8475,7 +8574,7 @@
         <p:spPr>
           <a:xfrm>
             <a:off x="457200" y="1600200"/>
-            <a:ext cx="8228160" cy="4524480"/>
+            <a:ext cx="8227800" cy="4524120"/>
           </a:xfrm>
           <a:prstGeom prst="rect">
             <a:avLst/>
@@ -8496,7 +8595,7 @@
             <a:noAutofit/>
           </a:bodyPr>
           <a:p>
-            <a:pPr marL="343080" indent="-341640">
+            <a:pPr marL="343080" indent="-341280">
               <a:lnSpc>
                 <a:spcPct val="100000"/>
               </a:lnSpc>
@@ -8524,7 +8623,7 @@
             </a:endParaRPr>
           </a:p>
           <a:p>
-            <a:pPr lvl="1" marL="743040" indent="-284400">
+            <a:pPr lvl="1" marL="743040" indent="-284040">
               <a:lnSpc>
                 <a:spcPct val="100000"/>
               </a:lnSpc>
@@ -8552,7 +8651,7 @@
             </a:endParaRPr>
           </a:p>
           <a:p>
-            <a:pPr lvl="1" marL="743040" indent="-284400">
+            <a:pPr lvl="1" marL="743040" indent="-284040">
               <a:lnSpc>
                 <a:spcPct val="100000"/>
               </a:lnSpc>
@@ -8580,7 +8679,7 @@
             </a:endParaRPr>
           </a:p>
           <a:p>
-            <a:pPr lvl="1" marL="743040" indent="-284400">
+            <a:pPr lvl="1" marL="743040" indent="-284040">
               <a:lnSpc>
                 <a:spcPct val="100000"/>
               </a:lnSpc>
@@ -8619,7 +8718,7 @@
             </a:endParaRPr>
           </a:p>
           <a:p>
-            <a:pPr marL="343080" indent="-341640">
+            <a:pPr marL="343080" indent="-341280">
               <a:lnSpc>
                 <a:spcPct val="100000"/>
               </a:lnSpc>
@@ -8658,7 +8757,7 @@
             </a:endParaRPr>
           </a:p>
           <a:p>
-            <a:pPr marL="343080" indent="-341640">
+            <a:pPr marL="343080" indent="-341280">
               <a:lnSpc>
                 <a:spcPct val="100000"/>
               </a:lnSpc>
@@ -8739,7 +8838,7 @@
         <p:spPr>
           <a:xfrm>
             <a:off x="457200" y="274680"/>
-            <a:ext cx="8228160" cy="1141560"/>
+            <a:ext cx="8227800" cy="1141200"/>
           </a:xfrm>
           <a:prstGeom prst="rect">
             <a:avLst/>
@@ -8790,7 +8889,7 @@
         <p:spPr>
           <a:xfrm>
             <a:off x="457200" y="1600200"/>
-            <a:ext cx="8228160" cy="4524480"/>
+            <a:ext cx="8227800" cy="4524120"/>
           </a:xfrm>
           <a:prstGeom prst="rect">
             <a:avLst/>
@@ -8811,7 +8910,7 @@
             <a:normAutofit/>
           </a:bodyPr>
           <a:p>
-            <a:pPr marL="343080" indent="-341640">
+            <a:pPr marL="343080" indent="-341280">
               <a:lnSpc>
                 <a:spcPct val="100000"/>
               </a:lnSpc>
@@ -8839,7 +8938,7 @@
             </a:endParaRPr>
           </a:p>
           <a:p>
-            <a:pPr lvl="1" marL="743040" indent="-284400">
+            <a:pPr lvl="1" marL="743040" indent="-284040">
               <a:lnSpc>
                 <a:spcPct val="100000"/>
               </a:lnSpc>
@@ -8867,7 +8966,7 @@
             </a:endParaRPr>
           </a:p>
           <a:p>
-            <a:pPr lvl="1" marL="743040" indent="-284400">
+            <a:pPr lvl="1" marL="743040" indent="-284040">
               <a:lnSpc>
                 <a:spcPct val="100000"/>
               </a:lnSpc>
@@ -8895,7 +8994,7 @@
             </a:endParaRPr>
           </a:p>
           <a:p>
-            <a:pPr lvl="1" marL="743040" indent="-284400">
+            <a:pPr lvl="1" marL="743040" indent="-284040">
               <a:lnSpc>
                 <a:spcPct val="100000"/>
               </a:lnSpc>
@@ -8934,7 +9033,7 @@
             </a:endParaRPr>
           </a:p>
           <a:p>
-            <a:pPr marL="343080" indent="-341640">
+            <a:pPr marL="343080" indent="-341280">
               <a:lnSpc>
                 <a:spcPct val="100000"/>
               </a:lnSpc>
@@ -8973,7 +9072,7 @@
             </a:endParaRPr>
           </a:p>
           <a:p>
-            <a:pPr marL="343080" indent="-341640">
+            <a:pPr marL="343080" indent="-341280">
               <a:lnSpc>
                 <a:spcPct val="100000"/>
               </a:lnSpc>
@@ -9054,7 +9153,7 @@
         <p:spPr>
           <a:xfrm>
             <a:off x="457200" y="274680"/>
-            <a:ext cx="8228160" cy="1141560"/>
+            <a:ext cx="8227800" cy="1141200"/>
           </a:xfrm>
           <a:prstGeom prst="rect">
             <a:avLst/>
@@ -9105,7 +9204,7 @@
         <p:spPr>
           <a:xfrm>
             <a:off x="457200" y="1600200"/>
-            <a:ext cx="8228160" cy="4524480"/>
+            <a:ext cx="8227800" cy="4524120"/>
           </a:xfrm>
           <a:prstGeom prst="rect">
             <a:avLst/>
@@ -9126,7 +9225,7 @@
             <a:normAutofit fontScale="94000"/>
           </a:bodyPr>
           <a:p>
-            <a:pPr marL="343080" indent="-341640">
+            <a:pPr marL="343080" indent="-341280">
               <a:lnSpc>
                 <a:spcPct val="100000"/>
               </a:lnSpc>
@@ -9152,7 +9251,7 @@
             </a:endParaRPr>
           </a:p>
           <a:p>
-            <a:pPr marL="343080" indent="-341640">
+            <a:pPr marL="343080" indent="-341280">
               <a:lnSpc>
                 <a:spcPct val="100000"/>
               </a:lnSpc>
@@ -9183,7 +9282,7 @@
             </a:endParaRPr>
           </a:p>
           <a:p>
-            <a:pPr lvl="1" marL="743040" indent="-284400">
+            <a:pPr lvl="1" marL="743040" indent="-284040">
               <a:lnSpc>
                 <a:spcPct val="100000"/>
               </a:lnSpc>
@@ -9214,7 +9313,7 @@
             </a:endParaRPr>
           </a:p>
           <a:p>
-            <a:pPr lvl="1" marL="743040" indent="-284400">
+            <a:pPr lvl="1" marL="743040" indent="-284040">
               <a:lnSpc>
                 <a:spcPct val="100000"/>
               </a:lnSpc>
@@ -9256,7 +9355,7 @@
             </a:endParaRPr>
           </a:p>
           <a:p>
-            <a:pPr marL="343080" indent="-341640">
+            <a:pPr marL="343080" indent="-341280">
               <a:lnSpc>
                 <a:spcPct val="100000"/>
               </a:lnSpc>
@@ -9287,7 +9386,7 @@
             </a:endParaRPr>
           </a:p>
           <a:p>
-            <a:pPr lvl="1" marL="743040" indent="-284400">
+            <a:pPr lvl="1" marL="743040" indent="-284040">
               <a:lnSpc>
                 <a:spcPct val="100000"/>
               </a:lnSpc>
@@ -9318,7 +9417,7 @@
             </a:endParaRPr>
           </a:p>
           <a:p>
-            <a:pPr lvl="1" marL="743040" indent="-284400">
+            <a:pPr lvl="1" marL="743040" indent="-284040">
               <a:lnSpc>
                 <a:spcPct val="100000"/>
               </a:lnSpc>
@@ -9349,7 +9448,7 @@
             </a:endParaRPr>
           </a:p>
           <a:p>
-            <a:pPr lvl="1" marL="743040" indent="-284400">
+            <a:pPr lvl="1" marL="743040" indent="-284040">
               <a:lnSpc>
                 <a:spcPct val="100000"/>
               </a:lnSpc>
@@ -9391,7 +9490,7 @@
             </a:endParaRPr>
           </a:p>
           <a:p>
-            <a:pPr marL="343080" indent="-341640">
+            <a:pPr marL="343080" indent="-341280">
               <a:lnSpc>
                 <a:spcPct val="100000"/>
               </a:lnSpc>
@@ -9422,7 +9521,7 @@
             </a:endParaRPr>
           </a:p>
           <a:p>
-            <a:pPr lvl="1" marL="743040" indent="-284400">
+            <a:pPr lvl="1" marL="743040" indent="-284040">
               <a:lnSpc>
                 <a:spcPct val="100000"/>
               </a:lnSpc>
@@ -9453,7 +9552,7 @@
             </a:endParaRPr>
           </a:p>
           <a:p>
-            <a:pPr lvl="1" marL="743040" indent="-284400">
+            <a:pPr lvl="1" marL="743040" indent="-284040">
               <a:lnSpc>
                 <a:spcPct val="100000"/>
               </a:lnSpc>
@@ -9484,7 +9583,7 @@
             </a:endParaRPr>
           </a:p>
           <a:p>
-            <a:pPr lvl="1" marL="743040" indent="-284400">
+            <a:pPr lvl="1" marL="743040" indent="-284040">
               <a:lnSpc>
                 <a:spcPct val="100000"/>
               </a:lnSpc>
@@ -9515,7 +9614,7 @@
             </a:endParaRPr>
           </a:p>
           <a:p>
-            <a:pPr marL="743040" indent="-284400">
+            <a:pPr marL="743040" indent="-284040">
               <a:lnSpc>
                 <a:spcPct val="100000"/>
               </a:lnSpc>
@@ -9571,7 +9670,7 @@
         <p:spPr>
           <a:xfrm>
             <a:off x="457200" y="274680"/>
-            <a:ext cx="8228160" cy="1141560"/>
+            <a:ext cx="8227800" cy="1141200"/>
           </a:xfrm>
           <a:prstGeom prst="rect">
             <a:avLst/>
@@ -9622,7 +9721,7 @@
         <p:spPr>
           <a:xfrm>
             <a:off x="457200" y="1600200"/>
-            <a:ext cx="8228160" cy="4524480"/>
+            <a:ext cx="8227800" cy="4524120"/>
           </a:xfrm>
           <a:prstGeom prst="rect">
             <a:avLst/>
@@ -9643,7 +9742,7 @@
             <a:noAutofit/>
           </a:bodyPr>
           <a:p>
-            <a:pPr marL="343080" indent="-341640">
+            <a:pPr marL="343080" indent="-341280">
               <a:lnSpc>
                 <a:spcPct val="100000"/>
               </a:lnSpc>
@@ -9671,7 +9770,7 @@
             </a:endParaRPr>
           </a:p>
           <a:p>
-            <a:pPr marL="343080" indent="-341640">
+            <a:pPr marL="343080" indent="-341280">
               <a:lnSpc>
                 <a:spcPct val="100000"/>
               </a:lnSpc>
@@ -9699,7 +9798,7 @@
             </a:endParaRPr>
           </a:p>
           <a:p>
-            <a:pPr marL="343080" indent="-341640">
+            <a:pPr marL="343080" indent="-341280">
               <a:lnSpc>
                 <a:spcPct val="100000"/>
               </a:lnSpc>
@@ -9727,7 +9826,7 @@
             </a:endParaRPr>
           </a:p>
           <a:p>
-            <a:pPr marL="343080" indent="-341640">
+            <a:pPr marL="343080" indent="-341280">
               <a:lnSpc>
                 <a:spcPct val="100000"/>
               </a:lnSpc>
@@ -9755,7 +9854,7 @@
             </a:endParaRPr>
           </a:p>
           <a:p>
-            <a:pPr marL="343080" indent="-341640">
+            <a:pPr marL="343080" indent="-341280">
               <a:lnSpc>
                 <a:spcPct val="100000"/>
               </a:lnSpc>
@@ -9783,7 +9882,7 @@
             </a:endParaRPr>
           </a:p>
           <a:p>
-            <a:pPr marL="343080" indent="-341640">
+            <a:pPr marL="343080" indent="-341280">
               <a:lnSpc>
                 <a:spcPct val="100000"/>
               </a:lnSpc>
@@ -9851,7 +9950,7 @@
         <p:spPr>
           <a:xfrm>
             <a:off x="457200" y="274680"/>
-            <a:ext cx="8228160" cy="1141560"/>
+            <a:ext cx="8227800" cy="1141200"/>
           </a:xfrm>
           <a:prstGeom prst="rect">
             <a:avLst/>
@@ -9902,7 +10001,7 @@
         <p:spPr>
           <a:xfrm>
             <a:off x="457200" y="1600200"/>
-            <a:ext cx="8228160" cy="4524480"/>
+            <a:ext cx="8227800" cy="4524120"/>
           </a:xfrm>
           <a:prstGeom prst="rect">
             <a:avLst/>
@@ -9923,7 +10022,7 @@
             <a:normAutofit fontScale="73000"/>
           </a:bodyPr>
           <a:p>
-            <a:pPr marL="343080" indent="-341640">
+            <a:pPr marL="343080" indent="-341280">
               <a:lnSpc>
                 <a:spcPct val="100000"/>
               </a:lnSpc>
@@ -9951,7 +10050,7 @@
             </a:endParaRPr>
           </a:p>
           <a:p>
-            <a:pPr marL="343080" indent="-341640">
+            <a:pPr marL="343080" indent="-341280">
               <a:lnSpc>
                 <a:spcPct val="100000"/>
               </a:lnSpc>
@@ -9977,7 +10076,7 @@
             </a:endParaRPr>
           </a:p>
           <a:p>
-            <a:pPr marL="343080" indent="-341640">
+            <a:pPr marL="343080" indent="-341280">
               <a:lnSpc>
                 <a:spcPct val="100000"/>
               </a:lnSpc>
@@ -10008,7 +10107,7 @@
             </a:endParaRPr>
           </a:p>
           <a:p>
-            <a:pPr marL="343080" indent="-341640">
+            <a:pPr marL="343080" indent="-341280">
               <a:lnSpc>
                 <a:spcPct val="100000"/>
               </a:lnSpc>
@@ -10039,7 +10138,7 @@
             </a:endParaRPr>
           </a:p>
           <a:p>
-            <a:pPr marL="343080" indent="-341640">
+            <a:pPr marL="343080" indent="-341280">
               <a:lnSpc>
                 <a:spcPct val="100000"/>
               </a:lnSpc>
@@ -10070,7 +10169,7 @@
             </a:endParaRPr>
           </a:p>
           <a:p>
-            <a:pPr marL="343080" indent="-341640">
+            <a:pPr marL="343080" indent="-341280">
               <a:lnSpc>
                 <a:spcPct val="100000"/>
               </a:lnSpc>
@@ -10101,7 +10200,7 @@
             </a:endParaRPr>
           </a:p>
           <a:p>
-            <a:pPr marL="343080" indent="-341640">
+            <a:pPr marL="343080" indent="-341280">
               <a:lnSpc>
                 <a:spcPct val="100000"/>
               </a:lnSpc>
@@ -10167,7 +10266,7 @@
         <p:spPr>
           <a:xfrm>
             <a:off x="457200" y="274680"/>
-            <a:ext cx="8228160" cy="1141560"/>
+            <a:ext cx="8227800" cy="1141200"/>
           </a:xfrm>
           <a:prstGeom prst="rect">
             <a:avLst/>
@@ -10218,7 +10317,7 @@
         <p:spPr>
           <a:xfrm>
             <a:off x="457200" y="1600200"/>
-            <a:ext cx="8228160" cy="4524480"/>
+            <a:ext cx="8227800" cy="4524120"/>
           </a:xfrm>
           <a:prstGeom prst="rect">
             <a:avLst/>
@@ -10239,7 +10338,7 @@
             <a:noAutofit/>
           </a:bodyPr>
           <a:p>
-            <a:pPr marL="343080" indent="-341640">
+            <a:pPr marL="343080" indent="-341280">
               <a:lnSpc>
                 <a:spcPct val="100000"/>
               </a:lnSpc>
@@ -10278,7 +10377,7 @@
             </a:endParaRPr>
           </a:p>
           <a:p>
-            <a:pPr marL="343080" indent="-341640">
+            <a:pPr marL="343080" indent="-341280">
               <a:lnSpc>
                 <a:spcPct val="100000"/>
               </a:lnSpc>
@@ -10317,7 +10416,7 @@
             </a:endParaRPr>
           </a:p>
           <a:p>
-            <a:pPr marL="343080" indent="-341640">
+            <a:pPr marL="343080" indent="-341280">
               <a:lnSpc>
                 <a:spcPct val="100000"/>
               </a:lnSpc>
@@ -10359,7 +10458,7 @@
         <p:spPr>
           <a:xfrm>
             <a:off x="4876920" y="1676520"/>
-            <a:ext cx="1991880" cy="1286280"/>
+            <a:ext cx="1991520" cy="1285920"/>
           </a:xfrm>
           <a:prstGeom prst="rect">
             <a:avLst/>
@@ -10408,7 +10507,7 @@
         <p:spPr>
           <a:xfrm>
             <a:off x="457200" y="274680"/>
-            <a:ext cx="8228160" cy="1141560"/>
+            <a:ext cx="8227800" cy="1141200"/>
           </a:xfrm>
           <a:prstGeom prst="rect">
             <a:avLst/>
@@ -10459,7 +10558,7 @@
         <p:spPr>
           <a:xfrm>
             <a:off x="457200" y="1600200"/>
-            <a:ext cx="8228160" cy="4524480"/>
+            <a:ext cx="8227800" cy="4524120"/>
           </a:xfrm>
           <a:prstGeom prst="rect">
             <a:avLst/>
@@ -10480,7 +10579,7 @@
             <a:noAutofit/>
           </a:bodyPr>
           <a:p>
-            <a:pPr marL="343080" indent="-341640">
+            <a:pPr marL="343080" indent="-341280">
               <a:lnSpc>
                 <a:spcPct val="100000"/>
               </a:lnSpc>
@@ -10519,7 +10618,7 @@
             </a:endParaRPr>
           </a:p>
           <a:p>
-            <a:pPr marL="343080" indent="-341640">
+            <a:pPr marL="343080" indent="-341280">
               <a:lnSpc>
                 <a:spcPct val="100000"/>
               </a:lnSpc>
@@ -10558,7 +10657,7 @@
             </a:endParaRPr>
           </a:p>
           <a:p>
-            <a:pPr marL="343080" indent="-341640">
+            <a:pPr marL="343080" indent="-341280">
               <a:lnSpc>
                 <a:spcPct val="100000"/>
               </a:lnSpc>
@@ -10626,7 +10725,7 @@
         <p:spPr>
           <a:xfrm>
             <a:off x="457200" y="274680"/>
-            <a:ext cx="8228160" cy="1141560"/>
+            <a:ext cx="8227800" cy="1141200"/>
           </a:xfrm>
           <a:prstGeom prst="rect">
             <a:avLst/>
@@ -10677,7 +10776,7 @@
         <p:spPr>
           <a:xfrm>
             <a:off x="457200" y="1600200"/>
-            <a:ext cx="8228160" cy="4524480"/>
+            <a:ext cx="8227800" cy="4524120"/>
           </a:xfrm>
           <a:prstGeom prst="rect">
             <a:avLst/>
@@ -10698,7 +10797,7 @@
             <a:normAutofit fontScale="60000"/>
           </a:bodyPr>
           <a:p>
-            <a:pPr marL="343080" indent="-341640">
+            <a:pPr marL="343080" indent="-341280">
               <a:lnSpc>
                 <a:spcPct val="100000"/>
               </a:lnSpc>
@@ -10737,7 +10836,7 @@
             </a:endParaRPr>
           </a:p>
           <a:p>
-            <a:pPr lvl="1" marL="743040" indent="-284400">
+            <a:pPr lvl="1" marL="743040" indent="-284040">
               <a:lnSpc>
                 <a:spcPct val="100000"/>
               </a:lnSpc>
@@ -10787,7 +10886,7 @@
             </a:endParaRPr>
           </a:p>
           <a:p>
-            <a:pPr lvl="1" marL="743040" indent="-284400">
+            <a:pPr lvl="1" marL="743040" indent="-284040">
               <a:lnSpc>
                 <a:spcPct val="100000"/>
               </a:lnSpc>
@@ -10837,7 +10936,7 @@
             </a:endParaRPr>
           </a:p>
           <a:p>
-            <a:pPr lvl="1" marL="743040" indent="-284400">
+            <a:pPr lvl="1" marL="743040" indent="-284040">
               <a:lnSpc>
                 <a:spcPct val="100000"/>
               </a:lnSpc>
@@ -10887,7 +10986,7 @@
             </a:endParaRPr>
           </a:p>
           <a:p>
-            <a:pPr lvl="1" marL="743040" indent="-284400">
+            <a:pPr lvl="1" marL="743040" indent="-284040">
               <a:lnSpc>
                 <a:spcPct val="100000"/>
               </a:lnSpc>
@@ -10937,7 +11036,7 @@
             </a:endParaRPr>
           </a:p>
           <a:p>
-            <a:pPr lvl="1" marL="743040" indent="-284400">
+            <a:pPr lvl="1" marL="743040" indent="-284040">
               <a:lnSpc>
                 <a:spcPct val="100000"/>
               </a:lnSpc>
@@ -11029,7 +11128,7 @@
         <p:spPr>
           <a:xfrm>
             <a:off x="457200" y="274680"/>
-            <a:ext cx="8228160" cy="1141560"/>
+            <a:ext cx="8227800" cy="1141200"/>
           </a:xfrm>
           <a:prstGeom prst="rect">
             <a:avLst/>
@@ -11080,7 +11179,7 @@
         <p:spPr>
           <a:xfrm>
             <a:off x="457200" y="1600200"/>
-            <a:ext cx="8228160" cy="4524480"/>
+            <a:ext cx="8227800" cy="4524120"/>
           </a:xfrm>
           <a:prstGeom prst="rect">
             <a:avLst/>
@@ -11101,7 +11200,7 @@
             <a:normAutofit fontScale="73000"/>
           </a:bodyPr>
           <a:p>
-            <a:pPr marL="343080" indent="-341640">
+            <a:pPr marL="343080" indent="-341280">
               <a:lnSpc>
                 <a:spcPct val="100000"/>
               </a:lnSpc>
@@ -11151,7 +11250,7 @@
             </a:endParaRPr>
           </a:p>
           <a:p>
-            <a:pPr marL="343080" indent="-341640">
+            <a:pPr marL="343080" indent="-341280">
               <a:lnSpc>
                 <a:spcPct val="100000"/>
               </a:lnSpc>
@@ -11201,7 +11300,7 @@
             </a:endParaRPr>
           </a:p>
           <a:p>
-            <a:pPr marL="343080" indent="-341640">
+            <a:pPr marL="343080" indent="-341280">
               <a:lnSpc>
                 <a:spcPct val="100000"/>
               </a:lnSpc>
@@ -11251,7 +11350,7 @@
             </a:endParaRPr>
           </a:p>
           <a:p>
-            <a:pPr marL="343080" indent="-341640">
+            <a:pPr marL="343080" indent="-341280">
               <a:lnSpc>
                 <a:spcPct val="100000"/>
               </a:lnSpc>
@@ -11310,7 +11409,7 @@
             </a:endParaRPr>
           </a:p>
           <a:p>
-            <a:pPr marL="343080" indent="-341640">
+            <a:pPr marL="343080" indent="-341280">
               <a:lnSpc>
                 <a:spcPct val="100000"/>
               </a:lnSpc>
@@ -11403,7 +11502,7 @@
         <p:spPr>
           <a:xfrm>
             <a:off x="457200" y="274680"/>
-            <a:ext cx="8228160" cy="1141560"/>
+            <a:ext cx="8227800" cy="1141200"/>
           </a:xfrm>
           <a:prstGeom prst="rect">
             <a:avLst/>
@@ -11454,7 +11553,7 @@
         <p:spPr>
           <a:xfrm>
             <a:off x="457200" y="1600200"/>
-            <a:ext cx="8228160" cy="4524480"/>
+            <a:ext cx="8227800" cy="4524120"/>
           </a:xfrm>
           <a:prstGeom prst="rect">
             <a:avLst/>
@@ -11475,7 +11574,7 @@
             <a:noAutofit/>
           </a:bodyPr>
           <a:p>
-            <a:pPr marL="343080" indent="-341640">
+            <a:pPr marL="343080" indent="-341280">
               <a:lnSpc>
                 <a:spcPct val="100000"/>
               </a:lnSpc>
@@ -11524,7 +11623,7 @@
             </a:endParaRPr>
           </a:p>
           <a:p>
-            <a:pPr lvl="1" marL="743040" indent="-284400">
+            <a:pPr lvl="1" marL="743040" indent="-284040">
               <a:lnSpc>
                 <a:spcPct val="100000"/>
               </a:lnSpc>
@@ -11584,7 +11683,7 @@
             </a:endParaRPr>
           </a:p>
           <a:p>
-            <a:pPr lvl="1" marL="743040" indent="-284400">
+            <a:pPr lvl="1" marL="743040" indent="-284040">
               <a:lnSpc>
                 <a:spcPct val="100000"/>
               </a:lnSpc>
@@ -11673,7 +11772,7 @@
         <p:spPr>
           <a:xfrm>
             <a:off x="457200" y="274680"/>
-            <a:ext cx="8228160" cy="1141560"/>
+            <a:ext cx="8227800" cy="1141200"/>
           </a:xfrm>
           <a:prstGeom prst="rect">
             <a:avLst/>
@@ -11724,7 +11823,7 @@
         <p:spPr>
           <a:xfrm>
             <a:off x="457200" y="1600200"/>
-            <a:ext cx="8228160" cy="4524480"/>
+            <a:ext cx="8227800" cy="4524120"/>
           </a:xfrm>
           <a:prstGeom prst="rect">
             <a:avLst/>
@@ -11745,7 +11844,7 @@
             <a:normAutofit/>
           </a:bodyPr>
           <a:p>
-            <a:pPr marL="343080" indent="-341640">
+            <a:pPr marL="343080" indent="-341280">
               <a:lnSpc>
                 <a:spcPct val="100000"/>
               </a:lnSpc>
@@ -11795,7 +11894,7 @@
             </a:endParaRPr>
           </a:p>
           <a:p>
-            <a:pPr marL="343080" indent="-341640">
+            <a:pPr marL="343080" indent="-341280">
               <a:lnSpc>
                 <a:spcPct val="100000"/>
               </a:lnSpc>
@@ -11845,7 +11944,7 @@
             </a:endParaRPr>
           </a:p>
           <a:p>
-            <a:pPr marL="343080" indent="-341640">
+            <a:pPr marL="343080" indent="-341280">
               <a:lnSpc>
                 <a:spcPct val="100000"/>
               </a:lnSpc>
@@ -11895,7 +11994,7 @@
             </a:endParaRPr>
           </a:p>
           <a:p>
-            <a:pPr marL="343080" indent="-341640">
+            <a:pPr marL="343080" indent="-341280">
               <a:lnSpc>
                 <a:spcPct val="100000"/>
               </a:lnSpc>
@@ -11987,7 +12086,7 @@
         <p:spPr>
           <a:xfrm>
             <a:off x="457200" y="274680"/>
-            <a:ext cx="8228160" cy="1141560"/>
+            <a:ext cx="8227800" cy="1141200"/>
           </a:xfrm>
           <a:prstGeom prst="rect">
             <a:avLst/>
@@ -12038,7 +12137,7 @@
         <p:spPr>
           <a:xfrm>
             <a:off x="457200" y="1600200"/>
-            <a:ext cx="8228160" cy="4524480"/>
+            <a:ext cx="8227800" cy="4524120"/>
           </a:xfrm>
           <a:prstGeom prst="rect">
             <a:avLst/>
@@ -12059,7 +12158,7 @@
             <a:normAutofit fontScale="97000"/>
           </a:bodyPr>
           <a:p>
-            <a:pPr marL="343080" indent="-341640">
+            <a:pPr marL="343080" indent="-341280">
               <a:lnSpc>
                 <a:spcPct val="100000"/>
               </a:lnSpc>
@@ -12119,7 +12218,7 @@
             </a:endParaRPr>
           </a:p>
           <a:p>
-            <a:pPr marL="343080" indent="-341640">
+            <a:pPr marL="343080" indent="-341280">
               <a:lnSpc>
                 <a:spcPct val="100000"/>
               </a:lnSpc>
@@ -12169,7 +12268,7 @@
             </a:endParaRPr>
           </a:p>
           <a:p>
-            <a:pPr marL="343080" indent="-341640">
+            <a:pPr marL="343080" indent="-341280">
               <a:lnSpc>
                 <a:spcPct val="100000"/>
               </a:lnSpc>
@@ -12219,7 +12318,7 @@
             </a:endParaRPr>
           </a:p>
           <a:p>
-            <a:pPr marL="343080" indent="-341640">
+            <a:pPr marL="343080" indent="-341280">
               <a:lnSpc>
                 <a:spcPct val="100000"/>
               </a:lnSpc>
@@ -12289,7 +12388,7 @@
             </a:endParaRPr>
           </a:p>
           <a:p>
-            <a:pPr marL="343080" indent="-341640">
+            <a:pPr marL="343080" indent="-341280">
               <a:lnSpc>
                 <a:spcPct val="100000"/>
               </a:lnSpc>
@@ -12368,7 +12467,7 @@
         <p:spPr>
           <a:xfrm>
             <a:off x="457200" y="274680"/>
-            <a:ext cx="8228160" cy="1141560"/>
+            <a:ext cx="8227800" cy="1141200"/>
           </a:xfrm>
           <a:prstGeom prst="rect">
             <a:avLst/>
@@ -12430,7 +12529,7 @@
         <p:spPr>
           <a:xfrm>
             <a:off x="457200" y="1600200"/>
-            <a:ext cx="8228160" cy="4524480"/>
+            <a:ext cx="8227800" cy="4524120"/>
           </a:xfrm>
           <a:prstGeom prst="rect">
             <a:avLst/>
@@ -12451,7 +12550,7 @@
             <a:noAutofit/>
           </a:bodyPr>
           <a:p>
-            <a:pPr marL="343080" indent="-341640">
+            <a:pPr marL="343080" indent="-341280">
               <a:lnSpc>
                 <a:spcPct val="100000"/>
               </a:lnSpc>
@@ -12511,7 +12610,7 @@
             </a:endParaRPr>
           </a:p>
           <a:p>
-            <a:pPr marL="343080" indent="-341640">
+            <a:pPr marL="343080" indent="-341280">
               <a:lnSpc>
                 <a:spcPct val="100000"/>
               </a:lnSpc>
@@ -12561,7 +12660,7 @@
             </a:endParaRPr>
           </a:p>
           <a:p>
-            <a:pPr marL="343080" indent="-341640">
+            <a:pPr marL="343080" indent="-341280">
               <a:lnSpc>
                 <a:spcPct val="100000"/>
               </a:lnSpc>
@@ -12683,7 +12782,7 @@
         <p:spPr>
           <a:xfrm>
             <a:off x="457200" y="1143000"/>
-            <a:ext cx="8457840" cy="5257440"/>
+            <a:ext cx="8457480" cy="5257080"/>
           </a:xfrm>
           <a:prstGeom prst="rect">
             <a:avLst/>
@@ -12721,7 +12820,11 @@
             </a:pPr>
             <a:r>
               <a:rPr b="0" lang="en-US" sz="2000" spc="-1" strike="noStrike">
+                <a:solidFill>
+                  <a:srgbClr val="000000"/>
+                </a:solidFill>
                 <a:latin typeface="Arial"/>
+                <a:ea typeface="DejaVu Sans"/>
               </a:rPr>
               <a:t>Of particular significance the new edition (which is effectively a new standard) contains:</a:t>
             </a:r>
@@ -12737,13 +12840,21 @@
             </a:pPr>
             <a:r>
               <a:rPr b="0" lang="en-US" sz="2000" spc="-1" strike="noStrike">
+                <a:solidFill>
+                  <a:srgbClr val="000000"/>
+                </a:solidFill>
                 <a:latin typeface="Arial"/>
+                <a:ea typeface="DejaVu Sans"/>
               </a:rPr>
               <a:t>    — </a:t>
             </a:r>
             <a:r>
               <a:rPr b="0" lang="en-US" sz="2000" spc="-1" strike="noStrike">
+                <a:solidFill>
+                  <a:srgbClr val="000000"/>
+                </a:solidFill>
                 <a:latin typeface="Arial"/>
+                <a:ea typeface="DejaVu Sans"/>
               </a:rPr>
               <a:t>a concept of precision</a:t>
             </a:r>
@@ -12759,13 +12870,21 @@
             </a:pPr>
             <a:r>
               <a:rPr b="0" lang="en-US" sz="2000" spc="-1" strike="noStrike">
+                <a:solidFill>
+                  <a:srgbClr val="000000"/>
+                </a:solidFill>
                 <a:latin typeface="Arial"/>
+                <a:ea typeface="DejaVu Sans"/>
               </a:rPr>
               <a:t>    — </a:t>
             </a:r>
             <a:r>
               <a:rPr b="0" lang="en-US" sz="2000" spc="-1" strike="noStrike">
+                <a:solidFill>
+                  <a:srgbClr val="000000"/>
+                </a:solidFill>
                 <a:latin typeface="Arial"/>
+                <a:ea typeface="DejaVu Sans"/>
               </a:rPr>
               <a:t>uncertain or approximate dates, or dates with portions unspecified;</a:t>
             </a:r>
@@ -12781,13 +12900,21 @@
             </a:pPr>
             <a:r>
               <a:rPr b="0" lang="en-US" sz="2000" spc="-1" strike="noStrike">
+                <a:solidFill>
+                  <a:srgbClr val="000000"/>
+                </a:solidFill>
                 <a:latin typeface="Arial"/>
+                <a:ea typeface="DejaVu Sans"/>
               </a:rPr>
               <a:t>    — </a:t>
             </a:r>
             <a:r>
               <a:rPr b="0" lang="en-US" sz="2000" spc="-1" strike="noStrike">
+                <a:solidFill>
+                  <a:srgbClr val="000000"/>
+                </a:solidFill>
                 <a:latin typeface="Arial"/>
+                <a:ea typeface="DejaVu Sans"/>
               </a:rPr>
               <a:t>extended time intervals;</a:t>
             </a:r>
@@ -12803,13 +12930,21 @@
             </a:pPr>
             <a:r>
               <a:rPr b="0" lang="en-US" sz="2000" spc="-1" strike="noStrike">
+                <a:solidFill>
+                  <a:srgbClr val="000000"/>
+                </a:solidFill>
                 <a:latin typeface="Arial"/>
+                <a:ea typeface="DejaVu Sans"/>
               </a:rPr>
               <a:t>    — </a:t>
             </a:r>
             <a:r>
               <a:rPr b="0" lang="en-US" sz="2000" spc="-1" strike="noStrike">
+                <a:solidFill>
+                  <a:srgbClr val="000000"/>
+                </a:solidFill>
                 <a:latin typeface="Arial"/>
+                <a:ea typeface="DejaVu Sans"/>
               </a:rPr>
               <a:t>divisions of a year;</a:t>
             </a:r>
@@ -12825,13 +12960,21 @@
             </a:pPr>
             <a:r>
               <a:rPr b="0" lang="en-US" sz="2000" spc="-1" strike="noStrike">
+                <a:solidFill>
+                  <a:srgbClr val="000000"/>
+                </a:solidFill>
                 <a:latin typeface="Arial"/>
+                <a:ea typeface="DejaVu Sans"/>
               </a:rPr>
               <a:t>    — </a:t>
             </a:r>
             <a:r>
               <a:rPr b="0" lang="en-US" sz="2000" spc="-1" strike="noStrike">
+                <a:solidFill>
+                  <a:srgbClr val="000000"/>
+                </a:solidFill>
                 <a:latin typeface="Arial"/>
+                <a:ea typeface="DejaVu Sans"/>
               </a:rPr>
               <a:t>sets and choices of calendar dates;</a:t>
             </a:r>
@@ -12847,13 +12990,21 @@
             </a:pPr>
             <a:r>
               <a:rPr b="0" lang="en-US" sz="2000" spc="-1" strike="noStrike">
+                <a:solidFill>
+                  <a:srgbClr val="000000"/>
+                </a:solidFill>
                 <a:latin typeface="Arial"/>
+                <a:ea typeface="DejaVu Sans"/>
               </a:rPr>
               <a:t>    — </a:t>
             </a:r>
             <a:r>
               <a:rPr b="0" lang="en-US" sz="2000" spc="-1" strike="noStrike">
+                <a:solidFill>
+                  <a:srgbClr val="000000"/>
+                </a:solidFill>
                 <a:latin typeface="Arial"/>
+                <a:ea typeface="DejaVu Sans"/>
               </a:rPr>
               <a:t>grouped time scale units;</a:t>
             </a:r>
@@ -12869,13 +13020,21 @@
             </a:pPr>
             <a:r>
               <a:rPr b="0" lang="en-US" sz="2000" spc="-1" strike="noStrike">
+                <a:solidFill>
+                  <a:srgbClr val="000000"/>
+                </a:solidFill>
                 <a:latin typeface="Arial"/>
+                <a:ea typeface="DejaVu Sans"/>
               </a:rPr>
               <a:t>    — </a:t>
             </a:r>
             <a:r>
               <a:rPr b="0" lang="en-US" sz="2000" spc="-1" strike="noStrike">
+                <a:solidFill>
+                  <a:srgbClr val="000000"/>
+                </a:solidFill>
                 <a:latin typeface="Arial"/>
+                <a:ea typeface="DejaVu Sans"/>
               </a:rPr>
               <a:t>repeat rules for recurring time intervals; and</a:t>
             </a:r>
@@ -12891,13 +13050,21 @@
             </a:pPr>
             <a:r>
               <a:rPr b="0" lang="en-US" sz="2000" spc="-1" strike="noStrike">
+                <a:solidFill>
+                  <a:srgbClr val="000000"/>
+                </a:solidFill>
                 <a:latin typeface="Arial"/>
+                <a:ea typeface="DejaVu Sans"/>
               </a:rPr>
               <a:t>    — </a:t>
             </a:r>
             <a:r>
               <a:rPr b="0" lang="en-US" sz="2000" spc="-1" strike="noStrike">
+                <a:solidFill>
+                  <a:srgbClr val="000000"/>
+                </a:solidFill>
                 <a:latin typeface="Arial"/>
+                <a:ea typeface="DejaVu Sans"/>
               </a:rPr>
               <a:t>date and time arithmetic.</a:t>
             </a:r>
@@ -12913,7 +13080,11 @@
             </a:pPr>
             <a:r>
               <a:rPr b="0" lang="en-US" sz="2000" spc="-1" strike="noStrike">
+                <a:solidFill>
+                  <a:srgbClr val="000000"/>
+                </a:solidFill>
                 <a:latin typeface="Arial"/>
+                <a:ea typeface="DejaVu Sans"/>
               </a:rPr>
               <a:t>It is now in two parts. Part 1 specifies basic rules. It functionally more or less corresponds the the previous standard but has been heavily rewritten (&gt;80%).   Part 2 (wholly new) specifies extensions, including community profiles to specify conformance levels for use of which rules.</a:t>
             </a:r>
@@ -12932,7 +13103,7 @@
         <p:spPr>
           <a:xfrm>
             <a:off x="1371600" y="457200"/>
-            <a:ext cx="2971440" cy="486360"/>
+            <a:ext cx="2971080" cy="486000"/>
           </a:xfrm>
           <a:prstGeom prst="rect">
             <a:avLst/>
@@ -12960,7 +13131,11 @@
             </a:pPr>
             <a:r>
               <a:rPr b="1" lang="en-US" sz="2800" spc="-1" strike="noStrike">
+                <a:solidFill>
+                  <a:srgbClr val="000000"/>
+                </a:solidFill>
                 <a:latin typeface="Arial"/>
+                <a:ea typeface="DejaVu Sans"/>
               </a:rPr>
               <a:t>ISO 8601:2019</a:t>
             </a:r>
@@ -13009,7 +13184,7 @@
         <p:spPr>
           <a:xfrm>
             <a:off x="457200" y="274680"/>
-            <a:ext cx="8228160" cy="1141560"/>
+            <a:ext cx="8227800" cy="1141200"/>
           </a:xfrm>
           <a:prstGeom prst="rect">
             <a:avLst/>
@@ -13060,7 +13235,7 @@
         <p:spPr>
           <a:xfrm>
             <a:off x="457200" y="1600200"/>
-            <a:ext cx="8228160" cy="5027760"/>
+            <a:ext cx="8227800" cy="5027400"/>
           </a:xfrm>
           <a:prstGeom prst="rect">
             <a:avLst/>
@@ -13081,7 +13256,7 @@
             <a:normAutofit/>
           </a:bodyPr>
           <a:p>
-            <a:pPr marL="343080" indent="-341640">
+            <a:pPr marL="343080" indent="-341280">
               <a:lnSpc>
                 <a:spcPct val="100000"/>
               </a:lnSpc>
@@ -13109,7 +13284,7 @@
             </a:endParaRPr>
           </a:p>
           <a:p>
-            <a:pPr lvl="1" marL="743040" indent="-284400">
+            <a:pPr lvl="1" marL="743040" indent="-284040">
               <a:lnSpc>
                 <a:spcPct val="100000"/>
               </a:lnSpc>
@@ -13137,7 +13312,7 @@
             </a:endParaRPr>
           </a:p>
           <a:p>
-            <a:pPr lvl="1" marL="743040" indent="-284400">
+            <a:pPr lvl="1" marL="743040" indent="-284040">
               <a:lnSpc>
                 <a:spcPct val="100000"/>
               </a:lnSpc>
@@ -13175,7 +13350,7 @@
             </a:endParaRPr>
           </a:p>
           <a:p>
-            <a:pPr lvl="1" marL="743040" indent="-284400">
+            <a:pPr lvl="1" marL="743040" indent="-284040">
               <a:lnSpc>
                 <a:spcPct val="100000"/>
               </a:lnSpc>
@@ -13213,7 +13388,7 @@
             </a:endParaRPr>
           </a:p>
           <a:p>
-            <a:pPr lvl="2" marL="1143000" indent="-227160">
+            <a:pPr lvl="2" marL="1143000" indent="-226800">
               <a:lnSpc>
                 <a:spcPct val="100000"/>
               </a:lnSpc>
@@ -13251,7 +13426,7 @@
             </a:endParaRPr>
           </a:p>
           <a:p>
-            <a:pPr lvl="1" marL="743040" indent="-284400">
+            <a:pPr lvl="1" marL="743040" indent="-284040">
               <a:lnSpc>
                 <a:spcPct val="100000"/>
               </a:lnSpc>
@@ -13279,7 +13454,7 @@
             </a:endParaRPr>
           </a:p>
           <a:p>
-            <a:pPr marL="743040" indent="-284400">
+            <a:pPr marL="743040" indent="-284040">
               <a:lnSpc>
                 <a:spcPct val="100000"/>
               </a:lnSpc>
@@ -13315,7 +13490,7 @@
             </a:endParaRPr>
           </a:p>
           <a:p>
-            <a:pPr marL="743040" indent="-284400">
+            <a:pPr marL="743040" indent="-284040">
               <a:lnSpc>
                 <a:spcPct val="100000"/>
               </a:lnSpc>
@@ -13328,7 +13503,7 @@
             </a:endParaRPr>
           </a:p>
           <a:p>
-            <a:pPr marL="743040" indent="-284400">
+            <a:pPr marL="743040" indent="-284040">
               <a:lnSpc>
                 <a:spcPct val="100000"/>
               </a:lnSpc>
@@ -13344,7 +13519,7 @@
             </a:endParaRPr>
           </a:p>
           <a:p>
-            <a:pPr marL="743040" indent="-284400">
+            <a:pPr marL="743040" indent="-284040">
               <a:lnSpc>
                 <a:spcPct val="100000"/>
               </a:lnSpc>
@@ -13397,7 +13572,7 @@
         <p:spPr>
           <a:xfrm>
             <a:off x="380880" y="152280"/>
-            <a:ext cx="8228160" cy="425520"/>
+            <a:ext cx="8227800" cy="425160"/>
           </a:xfrm>
           <a:prstGeom prst="rect">
             <a:avLst/>
@@ -13423,7 +13598,7 @@
         <p:spPr>
           <a:xfrm>
             <a:off x="457200" y="685800"/>
-            <a:ext cx="8228160" cy="5438880"/>
+            <a:ext cx="8227800" cy="5438520"/>
           </a:xfrm>
           <a:prstGeom prst="rect">
             <a:avLst/>
@@ -13444,7 +13619,7 @@
             <a:normAutofit fontScale="62000"/>
           </a:bodyPr>
           <a:p>
-            <a:pPr marL="343080" indent="-341640">
+            <a:pPr marL="343080" indent="-341280">
               <a:lnSpc>
                 <a:spcPct val="100000"/>
               </a:lnSpc>
@@ -13472,7 +13647,7 @@
             </a:endParaRPr>
           </a:p>
           <a:p>
-            <a:pPr marL="343080" indent="-341640">
+            <a:pPr marL="343080" indent="-341280">
               <a:lnSpc>
                 <a:spcPct val="100000"/>
               </a:lnSpc>
@@ -13500,7 +13675,7 @@
             </a:endParaRPr>
           </a:p>
           <a:p>
-            <a:pPr marL="343080" indent="-341640">
+            <a:pPr marL="343080" indent="-341280">
               <a:lnSpc>
                 <a:spcPct val="100000"/>
               </a:lnSpc>
@@ -13528,7 +13703,7 @@
             </a:endParaRPr>
           </a:p>
           <a:p>
-            <a:pPr marL="343080" indent="-341640">
+            <a:pPr marL="343080" indent="-341280">
               <a:lnSpc>
                 <a:spcPct val="100000"/>
               </a:lnSpc>
@@ -13556,7 +13731,7 @@
             </a:endParaRPr>
           </a:p>
           <a:p>
-            <a:pPr marL="343080" indent="-341640">
+            <a:pPr marL="343080" indent="-341280">
               <a:lnSpc>
                 <a:spcPct val="100000"/>
               </a:lnSpc>
@@ -13584,7 +13759,7 @@
             </a:endParaRPr>
           </a:p>
           <a:p>
-            <a:pPr marL="343080" indent="-341640">
+            <a:pPr marL="343080" indent="-341280">
               <a:lnSpc>
                 <a:spcPct val="100000"/>
               </a:lnSpc>
@@ -13612,7 +13787,7 @@
             </a:endParaRPr>
           </a:p>
           <a:p>
-            <a:pPr marL="343080" indent="-341640">
+            <a:pPr marL="343080" indent="-341280">
               <a:lnSpc>
                 <a:spcPct val="100000"/>
               </a:lnSpc>
@@ -13640,7 +13815,7 @@
             </a:endParaRPr>
           </a:p>
           <a:p>
-            <a:pPr marL="343080" indent="-341640">
+            <a:pPr marL="343080" indent="-341280">
               <a:lnSpc>
                 <a:spcPct val="100000"/>
               </a:lnSpc>
@@ -13668,7 +13843,7 @@
             </a:endParaRPr>
           </a:p>
           <a:p>
-            <a:pPr marL="343080" indent="-341640">
+            <a:pPr marL="343080" indent="-341280">
               <a:lnSpc>
                 <a:spcPct val="100000"/>
               </a:lnSpc>
@@ -13706,7 +13881,7 @@
             </a:endParaRPr>
           </a:p>
           <a:p>
-            <a:pPr marL="343080" indent="-341640">
+            <a:pPr marL="343080" indent="-341280">
               <a:lnSpc>
                 <a:spcPct val="100000"/>
               </a:lnSpc>
@@ -13734,7 +13909,7 @@
             </a:endParaRPr>
           </a:p>
           <a:p>
-            <a:pPr marL="343080" indent="-341640">
+            <a:pPr marL="343080" indent="-341280">
               <a:lnSpc>
                 <a:spcPct val="100000"/>
               </a:lnSpc>
@@ -13790,7 +13965,7 @@
         <p:spPr>
           <a:xfrm>
             <a:off x="228600" y="262800"/>
-            <a:ext cx="8686440" cy="6219720"/>
+            <a:ext cx="8686080" cy="6219360"/>
           </a:xfrm>
           <a:prstGeom prst="rect">
             <a:avLst/>
@@ -13818,7 +13993,11 @@
             </a:pPr>
             <a:r>
               <a:rPr b="1" lang="en-US" sz="2600" spc="-1" strike="noStrike">
+                <a:solidFill>
+                  <a:srgbClr val="000000"/>
+                </a:solidFill>
                 <a:latin typeface="Arial"/>
+                <a:ea typeface="DejaVu Sans"/>
               </a:rPr>
               <a:t>ISO 8601:2019 Part 2 finally published in 2019</a:t>
             </a:r>
@@ -13844,7 +14023,11 @@
             </a:pPr>
             <a:r>
               <a:rPr b="0" lang="en-US" sz="2600" spc="-1" strike="noStrike">
+                <a:solidFill>
+                  <a:srgbClr val="000000"/>
+                </a:solidFill>
                 <a:latin typeface="Arial"/>
+                <a:ea typeface="DejaVu Sans"/>
               </a:rPr>
               <a:t>In ISO-8601:2019 extensions there are two levels defined: 1 and 2 (in contrast to EDTF’s 3).</a:t>
             </a:r>
@@ -13870,7 +14053,11 @@
             </a:pPr>
             <a:r>
               <a:rPr b="0" lang="en-US" sz="2400" spc="-1" strike="noStrike">
+                <a:solidFill>
+                  <a:srgbClr val="000000"/>
+                </a:solidFill>
                 <a:latin typeface="Arial"/>
+                <a:ea typeface="DejaVu Sans"/>
               </a:rPr>
               <a:t>Example:</a:t>
             </a:r>
@@ -13896,7 +14083,11 @@
             </a:pPr>
             <a:r>
               <a:rPr b="0" lang="en-US" sz="2000" spc="-1" strike="noStrike">
+                <a:solidFill>
+                  <a:srgbClr val="000000"/>
+                </a:solidFill>
                 <a:latin typeface="Arial"/>
+                <a:ea typeface="DejaVu Sans"/>
               </a:rPr>
               <a:t>Unspecified (X) – in earlier versions of EDTF the character ‘u’</a:t>
             </a:r>
@@ -13912,7 +14103,11 @@
             </a:pPr>
             <a:r>
               <a:rPr b="0" lang="en-US" sz="2000" spc="-1" strike="noStrike">
+                <a:solidFill>
+                  <a:srgbClr val="000000"/>
+                </a:solidFill>
                 <a:latin typeface="Arial"/>
+                <a:ea typeface="DejaVu Sans"/>
               </a:rPr>
               <a:t>The value is not stated. The point in time may be unspecified because it did not occur yet, because it is classified, unknown or for any other reason.</a:t>
             </a:r>
@@ -13938,7 +14133,11 @@
             </a:pPr>
             <a:r>
               <a:rPr b="0" lang="en-US" sz="2200" spc="-1" strike="noStrike">
+                <a:solidFill>
+                  <a:srgbClr val="000000"/>
+                </a:solidFill>
                 <a:latin typeface="Arial"/>
+                <a:ea typeface="DejaVu Sans"/>
               </a:rPr>
               <a:t>Level 1:  ‘X’ may be substituted for the right-most digits, e.g. day, day and month, …</a:t>
             </a:r>
@@ -13954,7 +14153,11 @@
             </a:pPr>
             <a:r>
               <a:rPr b="0" lang="en-US" sz="2200" spc="-1" strike="noStrike">
+                <a:solidFill>
+                  <a:srgbClr val="000000"/>
+                </a:solidFill>
                 <a:latin typeface="Arial"/>
+                <a:ea typeface="DejaVu Sans"/>
               </a:rPr>
               <a:t>Level 2:  ‘X’ may be used as a replacement for any character in the string.</a:t>
             </a:r>
@@ -14033,7 +14236,7 @@
         <p:spPr>
           <a:xfrm>
             <a:off x="457200" y="457200"/>
-            <a:ext cx="8000640" cy="6468120"/>
+            <a:ext cx="8000280" cy="6467760"/>
           </a:xfrm>
           <a:prstGeom prst="rect">
             <a:avLst/>
@@ -14061,7 +14264,11 @@
             </a:pPr>
             <a:r>
               <a:rPr b="1" lang="en-US" sz="2600" spc="-1" strike="noStrike">
+                <a:solidFill>
+                  <a:srgbClr val="000000"/>
+                </a:solidFill>
                 <a:latin typeface="Arial"/>
+                <a:ea typeface="DejaVu Sans"/>
               </a:rPr>
               <a:t>Seasons (Year Divisions)</a:t>
             </a:r>
@@ -14087,7 +14294,11 @@
             </a:pPr>
             <a:r>
               <a:rPr b="0" lang="en-US" sz="2000" spc="-1" strike="noStrike">
+                <a:solidFill>
+                  <a:srgbClr val="000000"/>
+                </a:solidFill>
                 <a:latin typeface="Arial"/>
+                <a:ea typeface="DejaVu Sans"/>
               </a:rPr>
               <a:t>Level 1: The values 21, 22, 23, 24 may be used to signify ' Spring', 'Summer', 'Autumn', 'Winter', respectively.  Example: 2020-21 for Spring 2020</a:t>
             </a:r>
@@ -14112,12 +14323,56 @@
               </a:lnSpc>
             </a:pPr>
             <a:r>
+              <a:rPr b="0" lang="en-US" sz="1800" spc="-1" strike="noStrike">
+                <a:solidFill>
+                  <a:srgbClr val="000000"/>
+                </a:solidFill>
+                <a:latin typeface="Arial"/>
+                <a:ea typeface="DejaVu Sans"/>
+              </a:rPr>
+              <a:t>These values are from the perspective of the “reporter” and don’t respect their location. But since Summer is the Southern Hemisphere maps to Winter in the Northern we have in Level-2 additionally:</a:t>
+            </a:r>
+            <a:endParaRPr b="0" lang="en-US" sz="1800" spc="-1" strike="noStrike">
+              <a:latin typeface="Arial"/>
+            </a:endParaRPr>
+          </a:p>
+          <a:p>
+            <a:pPr>
+              <a:lnSpc>
+                <a:spcPct val="100000"/>
+              </a:lnSpc>
+            </a:pPr>
+            <a:endParaRPr b="0" lang="en-US" sz="1800" spc="-1" strike="noStrike">
+              <a:latin typeface="Arial"/>
+            </a:endParaRPr>
+          </a:p>
+          <a:p>
+            <a:pPr>
+              <a:lnSpc>
+                <a:spcPct val="100000"/>
+              </a:lnSpc>
+            </a:pPr>
+            <a:r>
               <a:rPr b="0" lang="en-US" sz="2000" spc="-1" strike="noStrike">
+                <a:solidFill>
+                  <a:srgbClr val="000000"/>
+                </a:solidFill>
                 <a:latin typeface="Arial"/>
-              </a:rPr>
-              <a:t>These values are from the perspective of the “reporter” and don’t respect their location. But since Summer is the Southern Hemisphere maps to Winter in the Northern we have in Level-2 additionally:</a:t>
-            </a:r>
-            <a:endParaRPr b="0" lang="en-US" sz="2000" spc="-1" strike="noStrike">
+                <a:ea typeface="DejaVu Sans"/>
+              </a:rPr>
+              <a:t>   </a:t>
+            </a:r>
+            <a:r>
+              <a:rPr b="0" lang="en-US" sz="1800" spc="-1" strike="noStrike">
+                <a:solidFill>
+                  <a:srgbClr val="000000"/>
+                </a:solidFill>
+                <a:latin typeface="Arial"/>
+                <a:ea typeface="DejaVu Sans"/>
+              </a:rPr>
+              <a:t>25-28 = Spring - Northern Hemisphere, Summer- Northern Hemisphere,                       Autumn  - Northern Hemisphere, Winter - Northern Hemisphere  </a:t>
+            </a:r>
+            <a:endParaRPr b="0" lang="en-US" sz="1800" spc="-1" strike="noStrike">
               <a:latin typeface="Arial"/>
             </a:endParaRPr>
           </a:p>
@@ -14127,7 +14382,27 @@
                 <a:spcPct val="100000"/>
               </a:lnSpc>
             </a:pPr>
-            <a:endParaRPr b="0" lang="en-US" sz="2000" spc="-1" strike="noStrike">
+            <a:r>
+              <a:rPr b="0" lang="en-US" sz="1800" spc="-1" strike="noStrike">
+                <a:solidFill>
+                  <a:srgbClr val="000000"/>
+                </a:solidFill>
+                <a:latin typeface="Arial"/>
+                <a:ea typeface="DejaVu Sans"/>
+              </a:rPr>
+              <a:t>   </a:t>
+            </a:r>
+            <a:r>
+              <a:rPr b="0" lang="en-US" sz="1800" spc="-1" strike="noStrike">
+                <a:solidFill>
+                  <a:srgbClr val="000000"/>
+                </a:solidFill>
+                <a:latin typeface="Arial"/>
+                <a:ea typeface="DejaVu Sans"/>
+              </a:rPr>
+              <a:t>29-32 = Spring – Southern Hemisphere, Summer– Southern Hemisphere,                    Autumn – Southern Hemisphere, Winter - Southern Hemisphere  </a:t>
+            </a:r>
+            <a:endParaRPr b="0" lang="en-US" sz="1800" spc="-1" strike="noStrike">
               <a:latin typeface="Arial"/>
             </a:endParaRPr>
           </a:p>
@@ -14138,18 +14413,26 @@
               </a:lnSpc>
             </a:pPr>
             <a:r>
-              <a:rPr b="0" lang="en-US" sz="2000" spc="-1" strike="noStrike">
+              <a:rPr b="0" lang="en-US" sz="1800" spc="-1" strike="noStrike">
+                <a:solidFill>
+                  <a:srgbClr val="000000"/>
+                </a:solidFill>
                 <a:latin typeface="Arial"/>
-              </a:rPr>
-              <a:t>    </a:t>
-            </a:r>
-            <a:r>
-              <a:rPr b="0" lang="en-US" sz="2000" spc="-1" strike="noStrike">
+                <a:ea typeface="DejaVu Sans"/>
+              </a:rPr>
+              <a:t>   </a:t>
+            </a:r>
+            <a:r>
+              <a:rPr b="0" lang="en-US" sz="1800" spc="-1" strike="noStrike">
+                <a:solidFill>
+                  <a:srgbClr val="000000"/>
+                </a:solidFill>
                 <a:latin typeface="Arial"/>
-              </a:rPr>
-              <a:t>25-28 = Spring - Northern Hemisphere, Summer- Northern Hemisphere, Autumn  - Northern  </a:t>
-            </a:r>
-            <a:endParaRPr b="0" lang="en-US" sz="2000" spc="-1" strike="noStrike">
+                <a:ea typeface="DejaVu Sans"/>
+              </a:rPr>
+              <a:t>33-36 = Quarter 1, Quarter 2, Quarter 3, Quarter 4 (3 months  each) </a:t>
+            </a:r>
+            <a:endParaRPr b="0" lang="en-US" sz="1800" spc="-1" strike="noStrike">
               <a:latin typeface="Arial"/>
             </a:endParaRPr>
           </a:p>
@@ -14160,18 +14443,26 @@
               </a:lnSpc>
             </a:pPr>
             <a:r>
-              <a:rPr b="0" lang="en-US" sz="2000" spc="-1" strike="noStrike">
+              <a:rPr b="0" lang="en-US" sz="1800" spc="-1" strike="noStrike">
+                <a:solidFill>
+                  <a:srgbClr val="000000"/>
+                </a:solidFill>
                 <a:latin typeface="Arial"/>
-              </a:rPr>
-              <a:t>                    </a:t>
-            </a:r>
-            <a:r>
-              <a:rPr b="0" lang="en-US" sz="2000" spc="-1" strike="noStrike">
+                <a:ea typeface="DejaVu Sans"/>
+              </a:rPr>
+              <a:t>   </a:t>
+            </a:r>
+            <a:r>
+              <a:rPr b="0" lang="en-US" sz="1800" spc="-1" strike="noStrike">
+                <a:solidFill>
+                  <a:srgbClr val="000000"/>
+                </a:solidFill>
                 <a:latin typeface="Arial"/>
-              </a:rPr>
-              <a:t>Hemisphere, Winter - Northern Hemisphere  </a:t>
-            </a:r>
-            <a:endParaRPr b="0" lang="en-US" sz="2000" spc="-1" strike="noStrike">
+                <a:ea typeface="DejaVu Sans"/>
+              </a:rPr>
+              <a:t>37-39 = Quadrimester 1, Quadrimester 2, Quadrimester 3  (4 months each) </a:t>
+            </a:r>
+            <a:endParaRPr b="0" lang="en-US" sz="1800" spc="-1" strike="noStrike">
               <a:latin typeface="Arial"/>
             </a:endParaRPr>
           </a:p>
@@ -14181,95 +14472,7 @@
                 <a:spcPct val="100000"/>
               </a:lnSpc>
             </a:pPr>
-            <a:r>
-              <a:rPr b="0" lang="en-US" sz="2000" spc="-1" strike="noStrike">
-                <a:latin typeface="Arial"/>
-              </a:rPr>
-              <a:t>    </a:t>
-            </a:r>
-            <a:r>
-              <a:rPr b="0" lang="en-US" sz="2000" spc="-1" strike="noStrike">
-                <a:latin typeface="Arial"/>
-              </a:rPr>
-              <a:t>29-32 = Spring – Southern Hemisphere, Summer– Southern Hemisphere, Autumn – Southern  </a:t>
-            </a:r>
-            <a:endParaRPr b="0" lang="en-US" sz="2000" spc="-1" strike="noStrike">
-              <a:latin typeface="Arial"/>
-            </a:endParaRPr>
-          </a:p>
-          <a:p>
-            <a:pPr>
-              <a:lnSpc>
-                <a:spcPct val="100000"/>
-              </a:lnSpc>
-            </a:pPr>
-            <a:r>
-              <a:rPr b="0" lang="en-US" sz="2000" spc="-1" strike="noStrike">
-                <a:latin typeface="Arial"/>
-              </a:rPr>
-              <a:t>                    </a:t>
-            </a:r>
-            <a:r>
-              <a:rPr b="0" lang="en-US" sz="2000" spc="-1" strike="noStrike">
-                <a:latin typeface="Arial"/>
-              </a:rPr>
-              <a:t>Hemisphere, Winter - Southern Hemisphere  </a:t>
-            </a:r>
-            <a:endParaRPr b="0" lang="en-US" sz="2000" spc="-1" strike="noStrike">
-              <a:latin typeface="Arial"/>
-            </a:endParaRPr>
-          </a:p>
-          <a:p>
-            <a:pPr>
-              <a:lnSpc>
-                <a:spcPct val="100000"/>
-              </a:lnSpc>
-            </a:pPr>
-            <a:r>
-              <a:rPr b="0" lang="en-US" sz="2000" spc="-1" strike="noStrike">
-                <a:latin typeface="Arial"/>
-              </a:rPr>
-              <a:t>    </a:t>
-            </a:r>
-            <a:r>
-              <a:rPr b="0" lang="en-US" sz="2000" spc="-1" strike="noStrike">
-                <a:latin typeface="Arial"/>
-              </a:rPr>
-              <a:t>33-36 = Quarter 1, Quarter 2, Quarter 3, Quarter 4 (3 months  each) </a:t>
-            </a:r>
-            <a:endParaRPr b="0" lang="en-US" sz="2000" spc="-1" strike="noStrike">
-              <a:latin typeface="Arial"/>
-            </a:endParaRPr>
-          </a:p>
-          <a:p>
-            <a:pPr>
-              <a:lnSpc>
-                <a:spcPct val="100000"/>
-              </a:lnSpc>
-            </a:pPr>
-            <a:r>
-              <a:rPr b="0" lang="en-US" sz="2000" spc="-1" strike="noStrike">
-                <a:latin typeface="Arial"/>
-              </a:rPr>
-              <a:t>    </a:t>
-            </a:r>
-            <a:r>
-              <a:rPr b="0" lang="en-US" sz="2000" spc="-1" strike="noStrike">
-                <a:latin typeface="Arial"/>
-              </a:rPr>
-              <a:t>37-39 = Quadrimester 1, Quadrimester 2, Quadrimester 3  (4 months each) </a:t>
-            </a:r>
-            <a:endParaRPr b="0" lang="en-US" sz="2000" spc="-1" strike="noStrike">
-              <a:latin typeface="Arial"/>
-            </a:endParaRPr>
-          </a:p>
-          <a:p>
-            <a:pPr>
-              <a:lnSpc>
-                <a:spcPct val="100000"/>
-              </a:lnSpc>
-            </a:pPr>
-            <a:endParaRPr b="0" lang="en-US" sz="2000" spc="-1" strike="noStrike">
+            <a:endParaRPr b="0" lang="en-US" sz="1800" spc="-1" strike="noStrike">
               <a:latin typeface="Arial"/>
             </a:endParaRPr>
           </a:p>
@@ -14314,7 +14517,7 @@
         <p:spPr>
           <a:xfrm>
             <a:off x="228600" y="599040"/>
-            <a:ext cx="8457480" cy="5572800"/>
+            <a:ext cx="8457120" cy="5572440"/>
           </a:xfrm>
           <a:prstGeom prst="rect">
             <a:avLst/>
@@ -14342,7 +14545,11 @@
             </a:pPr>
             <a:r>
               <a:rPr b="1" lang="en-US" sz="2600" spc="-1" strike="noStrike">
+                <a:solidFill>
+                  <a:srgbClr val="000000"/>
+                </a:solidFill>
                 <a:latin typeface="Arial"/>
+                <a:ea typeface="DejaVu Sans"/>
               </a:rPr>
               <a:t>Decade (available in Level-2 only)</a:t>
             </a:r>
@@ -14358,7 +14565,11 @@
             </a:pPr>
             <a:r>
               <a:rPr b="0" lang="en-US" sz="2600" spc="-1" strike="noStrike">
+                <a:solidFill>
+                  <a:srgbClr val="000000"/>
+                </a:solidFill>
                 <a:latin typeface="Arial"/>
+                <a:ea typeface="DejaVu Sans"/>
               </a:rPr>
               <a:t>Format: YYY</a:t>
             </a:r>
@@ -14384,7 +14595,11 @@
             </a:pPr>
             <a:r>
               <a:rPr b="0" lang="en-US" sz="2600" spc="-1" strike="noStrike">
+                <a:solidFill>
+                  <a:srgbClr val="000000"/>
+                </a:solidFill>
                 <a:latin typeface="Arial"/>
+                <a:ea typeface="DejaVu Sans"/>
               </a:rPr>
               <a:t>Example: 196 (1960-1969) </a:t>
             </a:r>
@@ -14400,7 +14615,11 @@
             </a:pPr>
             <a:r>
               <a:rPr b="0" lang="en-US" sz="2600" spc="-1" strike="noStrike">
+                <a:solidFill>
+                  <a:srgbClr val="000000"/>
+                </a:solidFill>
                 <a:latin typeface="Arial"/>
+                <a:ea typeface="DejaVu Sans"/>
               </a:rPr>
               <a:t>Example: 196~ (approximate decade)</a:t>
             </a:r>
@@ -14426,7 +14645,11 @@
             </a:pPr>
             <a:r>
               <a:rPr b="0" lang="en-US" sz="2600" spc="-1" strike="noStrike">
+                <a:solidFill>
+                  <a:srgbClr val="000000"/>
+                </a:solidFill>
                 <a:latin typeface="Arial"/>
+                <a:ea typeface="DejaVu Sans"/>
               </a:rPr>
               <a:t>Note: the expression 196 expresses what is commonly called the “1960s”. </a:t>
             </a:r>
@@ -14452,7 +14675,11 @@
             </a:pPr>
             <a:r>
               <a:rPr b="0" lang="en-US" sz="2600" spc="-1" strike="noStrike">
+                <a:solidFill>
+                  <a:srgbClr val="000000"/>
+                </a:solidFill>
                 <a:latin typeface="Arial"/>
+                <a:ea typeface="DejaVu Sans"/>
               </a:rPr>
               <a:t>It does not refer to an event within the interval defined from 1 Jan 1960 to 31 Dec 1969 but refers to a singular event viewed with decade precision.</a:t>
             </a:r>
@@ -14505,13 +14732,13 @@
       <p:sp>
         <p:nvSpPr>
           <p:cNvPr id="156" name=""/>
-          <p:cNvSpPr txBox="1"/>
+          <p:cNvSpPr/>
           <p:nvPr/>
         </p:nvSpPr>
         <p:spPr>
           <a:xfrm>
             <a:off x="457200" y="685800"/>
-            <a:ext cx="8458200" cy="4953600"/>
+            <a:ext cx="8457840" cy="4953240"/>
           </a:xfrm>
           <a:prstGeom prst="rect">
             <a:avLst/>
@@ -14521,11 +14748,22 @@
             <a:noFill/>
           </a:ln>
         </p:spPr>
+        <p:style>
+          <a:lnRef idx="0"/>
+          <a:fillRef idx="0"/>
+          <a:effectRef idx="0"/>
+          <a:fontRef idx="minor"/>
+        </p:style>
         <p:txBody>
           <a:bodyPr lIns="90000" rIns="90000" tIns="45000" bIns="45000">
             <a:noAutofit/>
           </a:bodyPr>
           <a:p>
+            <a:pPr>
+              <a:lnSpc>
+                <a:spcPct val="100000"/>
+              </a:lnSpc>
+            </a:pPr>
             <a:r>
               <a:rPr b="1" lang="en-US" sz="1800" spc="-1" strike="noStrike">
                 <a:latin typeface="Arial"/>
@@ -14537,11 +14775,21 @@
             </a:endParaRPr>
           </a:p>
           <a:p>
+            <a:pPr>
+              <a:lnSpc>
+                <a:spcPct val="100000"/>
+              </a:lnSpc>
+            </a:pPr>
             <a:endParaRPr b="0" lang="en-US" sz="1800" spc="-1" strike="noStrike">
               <a:latin typeface="Arial"/>
             </a:endParaRPr>
           </a:p>
           <a:p>
+            <a:pPr>
+              <a:lnSpc>
+                <a:spcPct val="100000"/>
+              </a:lnSpc>
+            </a:pPr>
             <a:r>
               <a:rPr b="0" lang="en-US" sz="1800" spc="-1" strike="noStrike">
                 <a:latin typeface="Arial"/>
@@ -14553,11 +14801,21 @@
             </a:endParaRPr>
           </a:p>
           <a:p>
+            <a:pPr>
+              <a:lnSpc>
+                <a:spcPct val="100000"/>
+              </a:lnSpc>
+            </a:pPr>
             <a:endParaRPr b="0" lang="en-US" sz="1800" spc="-1" strike="noStrike">
               <a:latin typeface="Arial"/>
             </a:endParaRPr>
           </a:p>
           <a:p>
+            <a:pPr>
+              <a:lnSpc>
+                <a:spcPct val="100000"/>
+              </a:lnSpc>
+            </a:pPr>
             <a:r>
               <a:rPr b="0" lang="en-US" sz="1800" spc="-1" strike="noStrike">
                 <a:latin typeface="Arial"/>
@@ -14569,11 +14827,21 @@
             </a:endParaRPr>
           </a:p>
           <a:p>
+            <a:pPr>
+              <a:lnSpc>
+                <a:spcPct val="100000"/>
+              </a:lnSpc>
+            </a:pPr>
             <a:endParaRPr b="0" lang="en-US" sz="1800" spc="-1" strike="noStrike">
               <a:latin typeface="Arial"/>
             </a:endParaRPr>
           </a:p>
           <a:p>
+            <a:pPr>
+              <a:lnSpc>
+                <a:spcPct val="100000"/>
+              </a:lnSpc>
+            </a:pPr>
             <a:r>
               <a:rPr b="0" lang="en-US" sz="1800" spc="-1" strike="noStrike">
                 <a:latin typeface="Arial"/>
@@ -14585,16 +14853,31 @@
             </a:endParaRPr>
           </a:p>
           <a:p>
+            <a:pPr>
+              <a:lnSpc>
+                <a:spcPct val="100000"/>
+              </a:lnSpc>
+            </a:pPr>
             <a:endParaRPr b="0" lang="en-US" sz="1800" spc="-1" strike="noStrike">
               <a:latin typeface="Arial"/>
             </a:endParaRPr>
           </a:p>
           <a:p>
+            <a:pPr>
+              <a:lnSpc>
+                <a:spcPct val="100000"/>
+              </a:lnSpc>
+            </a:pPr>
             <a:endParaRPr b="0" lang="en-US" sz="1800" spc="-1" strike="noStrike">
               <a:latin typeface="Arial"/>
             </a:endParaRPr>
           </a:p>
           <a:p>
+            <a:pPr>
+              <a:lnSpc>
+                <a:spcPct val="100000"/>
+              </a:lnSpc>
+            </a:pPr>
             <a:r>
               <a:rPr b="1" lang="en-US" sz="1800" spc="-1" strike="noStrike">
                 <a:latin typeface="Arial"/>
@@ -14606,11 +14889,21 @@
             </a:endParaRPr>
           </a:p>
           <a:p>
+            <a:pPr>
+              <a:lnSpc>
+                <a:spcPct val="100000"/>
+              </a:lnSpc>
+            </a:pPr>
             <a:endParaRPr b="0" lang="en-US" sz="1800" spc="-1" strike="noStrike">
               <a:latin typeface="Arial"/>
             </a:endParaRPr>
           </a:p>
           <a:p>
+            <a:pPr>
+              <a:lnSpc>
+                <a:spcPct val="100000"/>
+              </a:lnSpc>
+            </a:pPr>
             <a:r>
               <a:rPr b="0" lang="en-US" sz="1800" spc="-1" strike="noStrike">
                 <a:latin typeface="Arial"/>
@@ -14622,16 +14915,31 @@
             </a:endParaRPr>
           </a:p>
           <a:p>
+            <a:pPr>
+              <a:lnSpc>
+                <a:spcPct val="100000"/>
+              </a:lnSpc>
+            </a:pPr>
             <a:endParaRPr b="0" lang="en-US" sz="1800" spc="-1" strike="noStrike">
               <a:latin typeface="Arial"/>
             </a:endParaRPr>
           </a:p>
           <a:p>
+            <a:pPr>
+              <a:lnSpc>
+                <a:spcPct val="100000"/>
+              </a:lnSpc>
+            </a:pPr>
             <a:endParaRPr b="0" lang="en-US" sz="1800" spc="-1" strike="noStrike">
               <a:latin typeface="Arial"/>
             </a:endParaRPr>
           </a:p>
           <a:p>
+            <a:pPr>
+              <a:lnSpc>
+                <a:spcPct val="100000"/>
+              </a:lnSpc>
+            </a:pPr>
             <a:endParaRPr b="0" lang="en-US" sz="1800" spc="-1" strike="noStrike">
               <a:latin typeface="Arial"/>
             </a:endParaRPr>
@@ -14677,7 +14985,7 @@
         <p:spPr>
           <a:xfrm>
             <a:off x="457200" y="274680"/>
-            <a:ext cx="8228160" cy="1141560"/>
+            <a:ext cx="8227800" cy="1141200"/>
           </a:xfrm>
           <a:prstGeom prst="rect">
             <a:avLst/>
@@ -14728,7 +15036,7 @@
         <p:spPr>
           <a:xfrm>
             <a:off x="457200" y="1600200"/>
-            <a:ext cx="8228160" cy="4524480"/>
+            <a:ext cx="8227800" cy="4524120"/>
           </a:xfrm>
           <a:prstGeom prst="rect">
             <a:avLst/>
@@ -14749,7 +15057,7 @@
             <a:normAutofit/>
           </a:bodyPr>
           <a:p>
-            <a:pPr marL="343080" indent="-341640">
+            <a:pPr marL="343080" indent="-341280">
               <a:lnSpc>
                 <a:spcPct val="100000"/>
               </a:lnSpc>
@@ -14785,7 +15093,7 @@
             </a:endParaRPr>
           </a:p>
           <a:p>
-            <a:pPr marL="343080" indent="-341640">
+            <a:pPr marL="343080" indent="-341280">
               <a:lnSpc>
                 <a:spcPct val="100000"/>
               </a:lnSpc>
@@ -14821,7 +15129,7 @@
             </a:endParaRPr>
           </a:p>
           <a:p>
-            <a:pPr marL="343080" indent="-341640">
+            <a:pPr marL="343080" indent="-341280">
               <a:lnSpc>
                 <a:spcPct val="100000"/>
               </a:lnSpc>
@@ -14857,7 +15165,7 @@
             </a:endParaRPr>
           </a:p>
           <a:p>
-            <a:pPr marL="343080" indent="-341640">
+            <a:pPr marL="343080" indent="-341280">
               <a:lnSpc>
                 <a:spcPct val="100000"/>
               </a:lnSpc>
@@ -14893,7 +15201,7 @@
             </a:endParaRPr>
           </a:p>
           <a:p>
-            <a:pPr marL="343080" indent="-341640">
+            <a:pPr marL="343080" indent="-341280">
               <a:lnSpc>
                 <a:spcPct val="100000"/>
               </a:lnSpc>
@@ -14929,7 +15237,7 @@
             </a:endParaRPr>
           </a:p>
           <a:p>
-            <a:pPr marL="343080" indent="-341640">
+            <a:pPr marL="343080" indent="-341280">
               <a:lnSpc>
                 <a:spcPct val="100000"/>
               </a:lnSpc>
@@ -15005,7 +15313,7 @@
         <p:spPr>
           <a:xfrm>
             <a:off x="457200" y="274680"/>
-            <a:ext cx="8228160" cy="1141560"/>
+            <a:ext cx="8227800" cy="1141200"/>
           </a:xfrm>
           <a:prstGeom prst="rect">
             <a:avLst/>
@@ -15031,7 +15339,7 @@
         <p:spPr>
           <a:xfrm>
             <a:off x="457200" y="1600200"/>
-            <a:ext cx="8228160" cy="4524480"/>
+            <a:ext cx="8227800" cy="4524120"/>
           </a:xfrm>
           <a:prstGeom prst="rect">
             <a:avLst/>
@@ -15052,7 +15360,7 @@
             <a:noAutofit/>
           </a:bodyPr>
           <a:p>
-            <a:pPr marL="343080" indent="-341640">
+            <a:pPr marL="343080" indent="-341280">
               <a:lnSpc>
                 <a:spcPct val="100000"/>
               </a:lnSpc>
@@ -15080,7 +15388,7 @@
             </a:endParaRPr>
           </a:p>
           <a:p>
-            <a:pPr marL="343080" indent="-341640">
+            <a:pPr marL="343080" indent="-341280">
               <a:lnSpc>
                 <a:spcPct val="100000"/>
               </a:lnSpc>
@@ -15108,7 +15416,7 @@
             </a:endParaRPr>
           </a:p>
           <a:p>
-            <a:pPr marL="343080" indent="-341640">
+            <a:pPr marL="343080" indent="-341280">
               <a:lnSpc>
                 <a:spcPct val="100000"/>
               </a:lnSpc>
@@ -15176,7 +15484,7 @@
         <p:spPr>
           <a:xfrm>
             <a:off x="457200" y="274680"/>
-            <a:ext cx="8228160" cy="1141560"/>
+            <a:ext cx="8227800" cy="1141200"/>
           </a:xfrm>
           <a:prstGeom prst="rect">
             <a:avLst/>
@@ -15227,7 +15535,7 @@
         <p:spPr>
           <a:xfrm>
             <a:off x="457200" y="1600200"/>
-            <a:ext cx="8228160" cy="4524480"/>
+            <a:ext cx="8227800" cy="4524120"/>
           </a:xfrm>
           <a:prstGeom prst="rect">
             <a:avLst/>
@@ -15248,7 +15556,7 @@
             <a:normAutofit fontScale="4000"/>
           </a:bodyPr>
           <a:p>
-            <a:pPr marL="343080" indent="-341640">
+            <a:pPr marL="343080" indent="-341280">
               <a:lnSpc>
                 <a:spcPct val="100000"/>
               </a:lnSpc>
@@ -15276,7 +15584,7 @@
             </a:endParaRPr>
           </a:p>
           <a:p>
-            <a:pPr marL="343080" indent="-341640">
+            <a:pPr marL="343080" indent="-341280">
               <a:lnSpc>
                 <a:spcPct val="100000"/>
               </a:lnSpc>
@@ -15304,7 +15612,7 @@
             </a:endParaRPr>
           </a:p>
           <a:p>
-            <a:pPr marL="343080" indent="-341640">
+            <a:pPr marL="343080" indent="-341280">
               <a:lnSpc>
                 <a:spcPct val="100000"/>
               </a:lnSpc>
@@ -15332,7 +15640,7 @@
             </a:endParaRPr>
           </a:p>
           <a:p>
-            <a:pPr marL="343080" indent="-341640">
+            <a:pPr marL="343080" indent="-341280">
               <a:lnSpc>
                 <a:spcPct val="100000"/>
               </a:lnSpc>
@@ -15360,7 +15668,7 @@
             </a:endParaRPr>
           </a:p>
           <a:p>
-            <a:pPr marL="343080" indent="-341640">
+            <a:pPr marL="343080" indent="-341280">
               <a:lnSpc>
                 <a:spcPct val="100000"/>
               </a:lnSpc>
@@ -15388,7 +15696,7 @@
             </a:endParaRPr>
           </a:p>
           <a:p>
-            <a:pPr marL="343080" indent="-341640">
+            <a:pPr marL="343080" indent="-341280">
               <a:lnSpc>
                 <a:spcPct val="100000"/>
               </a:lnSpc>
@@ -15416,7 +15724,7 @@
             </a:endParaRPr>
           </a:p>
           <a:p>
-            <a:pPr marL="343080" indent="-341640">
+            <a:pPr marL="343080" indent="-341280">
               <a:lnSpc>
                 <a:spcPct val="100000"/>
               </a:lnSpc>
@@ -15444,7 +15752,7 @@
             </a:endParaRPr>
           </a:p>
           <a:p>
-            <a:pPr marL="343080" indent="-341640">
+            <a:pPr marL="343080" indent="-341280">
               <a:lnSpc>
                 <a:spcPct val="100000"/>
               </a:lnSpc>
@@ -15472,7 +15780,7 @@
             </a:endParaRPr>
           </a:p>
           <a:p>
-            <a:pPr marL="343080" indent="-341640">
+            <a:pPr marL="343080" indent="-341280">
               <a:lnSpc>
                 <a:spcPct val="100000"/>
               </a:lnSpc>
@@ -15500,7 +15808,7 @@
             </a:endParaRPr>
           </a:p>
           <a:p>
-            <a:pPr marL="343080" indent="-341640">
+            <a:pPr marL="343080" indent="-341280">
               <a:lnSpc>
                 <a:spcPct val="100000"/>
               </a:lnSpc>
@@ -15528,7 +15836,7 @@
             </a:endParaRPr>
           </a:p>
           <a:p>
-            <a:pPr marL="343080" indent="-341640">
+            <a:pPr marL="343080" indent="-341280">
               <a:lnSpc>
                 <a:spcPct val="100000"/>
               </a:lnSpc>
@@ -15556,7 +15864,7 @@
             </a:endParaRPr>
           </a:p>
           <a:p>
-            <a:pPr marL="343080" indent="-341640">
+            <a:pPr marL="343080" indent="-341280">
               <a:lnSpc>
                 <a:spcPct val="100000"/>
               </a:lnSpc>
@@ -15584,7 +15892,7 @@
             </a:endParaRPr>
           </a:p>
           <a:p>
-            <a:pPr marL="343080" indent="-341640">
+            <a:pPr marL="343080" indent="-341280">
               <a:lnSpc>
                 <a:spcPct val="100000"/>
               </a:lnSpc>
@@ -15612,7 +15920,7 @@
             </a:endParaRPr>
           </a:p>
           <a:p>
-            <a:pPr marL="343080" indent="-341640">
+            <a:pPr marL="343080" indent="-341280">
               <a:lnSpc>
                 <a:spcPct val="100000"/>
               </a:lnSpc>
@@ -15640,7 +15948,7 @@
             </a:endParaRPr>
           </a:p>
           <a:p>
-            <a:pPr marL="343080" indent="-341640">
+            <a:pPr marL="343080" indent="-341280">
               <a:lnSpc>
                 <a:spcPct val="100000"/>
               </a:lnSpc>
@@ -15668,7 +15976,7 @@
             </a:endParaRPr>
           </a:p>
           <a:p>
-            <a:pPr marL="343080" indent="-341640">
+            <a:pPr marL="343080" indent="-341280">
               <a:lnSpc>
                 <a:spcPct val="100000"/>
               </a:lnSpc>
@@ -15696,7 +16004,7 @@
             </a:endParaRPr>
           </a:p>
           <a:p>
-            <a:pPr marL="343080" indent="-341640">
+            <a:pPr marL="343080" indent="-341280">
               <a:lnSpc>
                 <a:spcPct val="100000"/>
               </a:lnSpc>
@@ -15724,7 +16032,7 @@
             </a:endParaRPr>
           </a:p>
           <a:p>
-            <a:pPr marL="343080" indent="-341640">
+            <a:pPr marL="343080" indent="-341280">
               <a:lnSpc>
                 <a:spcPct val="100000"/>
               </a:lnSpc>
@@ -15752,7 +16060,7 @@
             </a:endParaRPr>
           </a:p>
           <a:p>
-            <a:pPr marL="343080" indent="-341640">
+            <a:pPr marL="343080" indent="-341280">
               <a:lnSpc>
                 <a:spcPct val="100000"/>
               </a:lnSpc>
@@ -15780,7 +16088,7 @@
             </a:endParaRPr>
           </a:p>
           <a:p>
-            <a:pPr marL="343080" indent="-341640">
+            <a:pPr marL="343080" indent="-341280">
               <a:lnSpc>
                 <a:spcPct val="100000"/>
               </a:lnSpc>
@@ -15808,7 +16116,7 @@
             </a:endParaRPr>
           </a:p>
           <a:p>
-            <a:pPr marL="343080" indent="-341640">
+            <a:pPr marL="343080" indent="-341280">
               <a:lnSpc>
                 <a:spcPct val="100000"/>
               </a:lnSpc>
@@ -15836,7 +16144,7 @@
             </a:endParaRPr>
           </a:p>
           <a:p>
-            <a:pPr marL="343080" indent="-341640">
+            <a:pPr marL="343080" indent="-341280">
               <a:lnSpc>
                 <a:spcPct val="100000"/>
               </a:lnSpc>
@@ -15864,7 +16172,7 @@
             </a:endParaRPr>
           </a:p>
           <a:p>
-            <a:pPr marL="343080" indent="-341640">
+            <a:pPr marL="343080" indent="-341280">
               <a:lnSpc>
                 <a:spcPct val="100000"/>
               </a:lnSpc>
@@ -15892,7 +16200,7 @@
             </a:endParaRPr>
           </a:p>
           <a:p>
-            <a:pPr marL="343080" indent="-341640">
+            <a:pPr marL="343080" indent="-341280">
               <a:lnSpc>
                 <a:spcPct val="100000"/>
               </a:lnSpc>
@@ -15920,7 +16228,7 @@
             </a:endParaRPr>
           </a:p>
           <a:p>
-            <a:pPr marL="343080" indent="-341640">
+            <a:pPr marL="343080" indent="-341280">
               <a:lnSpc>
                 <a:spcPct val="100000"/>
               </a:lnSpc>
@@ -15948,7 +16256,7 @@
             </a:endParaRPr>
           </a:p>
           <a:p>
-            <a:pPr marL="343080" indent="-341640">
+            <a:pPr marL="343080" indent="-341280">
               <a:lnSpc>
                 <a:spcPct val="100000"/>
               </a:lnSpc>
@@ -15976,7 +16284,7 @@
             </a:endParaRPr>
           </a:p>
           <a:p>
-            <a:pPr marL="343080" indent="-341640">
+            <a:pPr marL="343080" indent="-341280">
               <a:lnSpc>
                 <a:spcPct val="100000"/>
               </a:lnSpc>
@@ -16004,7 +16312,7 @@
             </a:endParaRPr>
           </a:p>
           <a:p>
-            <a:pPr marL="343080" indent="-341640">
+            <a:pPr marL="343080" indent="-341280">
               <a:lnSpc>
                 <a:spcPct val="100000"/>
               </a:lnSpc>
@@ -16032,7 +16340,7 @@
             </a:endParaRPr>
           </a:p>
           <a:p>
-            <a:pPr marL="343080" indent="-341640">
+            <a:pPr marL="343080" indent="-341280">
               <a:lnSpc>
                 <a:spcPct val="100000"/>
               </a:lnSpc>
@@ -16060,7 +16368,7 @@
             </a:endParaRPr>
           </a:p>
           <a:p>
-            <a:pPr marL="343080" indent="-341640">
+            <a:pPr marL="343080" indent="-341280">
               <a:lnSpc>
                 <a:spcPct val="100000"/>
               </a:lnSpc>
@@ -16144,7 +16452,7 @@
         <p:spPr>
           <a:xfrm>
             <a:off x="457200" y="274680"/>
-            <a:ext cx="8228160" cy="1141560"/>
+            <a:ext cx="8227800" cy="1141200"/>
           </a:xfrm>
           <a:prstGeom prst="rect">
             <a:avLst/>
@@ -16170,7 +16478,7 @@
         <p:spPr>
           <a:xfrm>
             <a:off x="457200" y="1600200"/>
-            <a:ext cx="8228160" cy="4524480"/>
+            <a:ext cx="8227800" cy="4524120"/>
           </a:xfrm>
           <a:prstGeom prst="rect">
             <a:avLst/>
@@ -16191,7 +16499,7 @@
             <a:noAutofit/>
           </a:bodyPr>
           <a:p>
-            <a:pPr marL="343080" indent="-341640">
+            <a:pPr marL="343080" indent="-341280">
               <a:lnSpc>
                 <a:spcPct val="100000"/>
               </a:lnSpc>
@@ -16262,7 +16570,7 @@
             </a:endParaRPr>
           </a:p>
           <a:p>
-            <a:pPr marL="343080" indent="-341640">
+            <a:pPr marL="343080" indent="-341280">
               <a:lnSpc>
                 <a:spcPct val="100000"/>
               </a:lnSpc>
@@ -16350,7 +16658,7 @@
         <p:spPr>
           <a:xfrm>
             <a:off x="914400" y="1111320"/>
-            <a:ext cx="6524640" cy="459000"/>
+            <a:ext cx="6524280" cy="458640"/>
           </a:xfrm>
           <a:prstGeom prst="rect">
             <a:avLst/>
@@ -16378,7 +16686,11 @@
             </a:pPr>
             <a:r>
               <a:rPr b="0" lang="en-US" sz="2600" spc="-1" strike="noStrike">
+                <a:solidFill>
+                  <a:srgbClr val="000000"/>
+                </a:solidFill>
                 <a:latin typeface="Arial"/>
+                <a:ea typeface="DejaVu Sans"/>
               </a:rPr>
               <a:t>EDTF is still freely available (albeit hidden):</a:t>
             </a:r>
@@ -16397,7 +16709,7 @@
         <p:spPr>
           <a:xfrm>
             <a:off x="439560" y="5886000"/>
-            <a:ext cx="8550000" cy="459000"/>
+            <a:ext cx="8549640" cy="458640"/>
           </a:xfrm>
           <a:prstGeom prst="rect">
             <a:avLst/>
@@ -16425,7 +16737,11 @@
             </a:pPr>
             <a:r>
               <a:rPr b="0" lang="en-US" sz="2600" spc="-1" strike="noStrike">
+                <a:solidFill>
+                  <a:srgbClr val="000000"/>
+                </a:solidFill>
                 <a:latin typeface="Arial"/>
+                <a:ea typeface="DejaVu Sans"/>
               </a:rPr>
               <a:t>And, of course, ISO 8601:2019 is availble from ISO (€€€)</a:t>
             </a:r>
@@ -16474,7 +16790,7 @@
         <p:spPr>
           <a:xfrm>
             <a:off x="457200" y="274680"/>
-            <a:ext cx="8228160" cy="1141560"/>
+            <a:ext cx="8227800" cy="1141200"/>
           </a:xfrm>
           <a:prstGeom prst="rect">
             <a:avLst/>
@@ -16525,7 +16841,7 @@
         <p:spPr>
           <a:xfrm>
             <a:off x="457200" y="1600200"/>
-            <a:ext cx="8228160" cy="4524480"/>
+            <a:ext cx="8227800" cy="4524120"/>
           </a:xfrm>
           <a:prstGeom prst="rect">
             <a:avLst/>
@@ -16546,7 +16862,7 @@
             <a:normAutofit fontScale="66000"/>
           </a:bodyPr>
           <a:p>
-            <a:pPr marL="343080" indent="-341640">
+            <a:pPr marL="343080" indent="-341280">
               <a:lnSpc>
                 <a:spcPct val="100000"/>
               </a:lnSpc>
@@ -16582,7 +16898,7 @@
             </a:endParaRPr>
           </a:p>
           <a:p>
-            <a:pPr marL="343080" indent="-341640">
+            <a:pPr marL="343080" indent="-341280">
               <a:lnSpc>
                 <a:spcPct val="100000"/>
               </a:lnSpc>
@@ -16608,7 +16924,7 @@
             </a:endParaRPr>
           </a:p>
           <a:p>
-            <a:pPr marL="343080" indent="-341640">
+            <a:pPr marL="343080" indent="-341280">
               <a:lnSpc>
                 <a:spcPct val="100000"/>
               </a:lnSpc>
@@ -16664,7 +16980,7 @@
             </a:endParaRPr>
           </a:p>
           <a:p>
-            <a:pPr marL="343080" indent="-341640">
+            <a:pPr marL="343080" indent="-341280">
               <a:lnSpc>
                 <a:spcPct val="100000"/>
               </a:lnSpc>
@@ -16680,7 +16996,7 @@
             </a:endParaRPr>
           </a:p>
           <a:p>
-            <a:pPr marL="343080" indent="-341640">
+            <a:pPr marL="343080" indent="-341280">
               <a:lnSpc>
                 <a:spcPct val="100000"/>
               </a:lnSpc>
@@ -16716,7 +17032,7 @@
             </a:endParaRPr>
           </a:p>
           <a:p>
-            <a:pPr marL="343080" indent="-341640">
+            <a:pPr marL="343080" indent="-341280">
               <a:lnSpc>
                 <a:spcPct val="100000"/>
               </a:lnSpc>
@@ -16752,7 +17068,7 @@
             </a:endParaRPr>
           </a:p>
           <a:p>
-            <a:pPr marL="343080" indent="-341640">
+            <a:pPr marL="343080" indent="-341280">
               <a:lnSpc>
                 <a:spcPct val="100000"/>
               </a:lnSpc>
@@ -16768,7 +17084,7 @@
             </a:endParaRPr>
           </a:p>
           <a:p>
-            <a:pPr marL="343080" indent="-341640">
+            <a:pPr marL="343080" indent="-341280">
               <a:lnSpc>
                 <a:spcPct val="100000"/>
               </a:lnSpc>
@@ -16824,7 +17140,7 @@
         <p:spPr>
           <a:xfrm>
             <a:off x="457200" y="274680"/>
-            <a:ext cx="8228160" cy="1141560"/>
+            <a:ext cx="8227800" cy="1141200"/>
           </a:xfrm>
           <a:prstGeom prst="rect">
             <a:avLst/>
@@ -16850,7 +17166,7 @@
         <p:spPr>
           <a:xfrm>
             <a:off x="457200" y="1600200"/>
-            <a:ext cx="8228160" cy="4524480"/>
+            <a:ext cx="8227800" cy="4524120"/>
           </a:xfrm>
           <a:prstGeom prst="rect">
             <a:avLst/>
@@ -16871,7 +17187,7 @@
             <a:normAutofit fontScale="48000"/>
           </a:bodyPr>
           <a:p>
-            <a:pPr marL="343080" indent="-341640">
+            <a:pPr marL="343080" indent="-341280">
               <a:lnSpc>
                 <a:spcPct val="100000"/>
               </a:lnSpc>
@@ -16897,7 +17213,7 @@
             </a:endParaRPr>
           </a:p>
           <a:p>
-            <a:pPr marL="343080" indent="-341640">
+            <a:pPr marL="343080" indent="-341280">
               <a:lnSpc>
                 <a:spcPct val="100000"/>
               </a:lnSpc>
@@ -16913,7 +17229,7 @@
             </a:endParaRPr>
           </a:p>
           <a:p>
-            <a:pPr marL="343080" indent="-341640">
+            <a:pPr marL="343080" indent="-341280">
               <a:lnSpc>
                 <a:spcPct val="100000"/>
               </a:lnSpc>
@@ -16939,7 +17255,7 @@
             </a:endParaRPr>
           </a:p>
           <a:p>
-            <a:pPr lvl="1" marL="743040" indent="-284400">
+            <a:pPr lvl="1" marL="743040" indent="-284040">
               <a:lnSpc>
                 <a:spcPct val="100000"/>
               </a:lnSpc>
@@ -16970,7 +17286,7 @@
             </a:endParaRPr>
           </a:p>
           <a:p>
-            <a:pPr lvl="1" marL="743040" indent="-284400">
+            <a:pPr lvl="1" marL="743040" indent="-284040">
               <a:lnSpc>
                 <a:spcPct val="100000"/>
               </a:lnSpc>
@@ -17001,7 +17317,7 @@
             </a:endParaRPr>
           </a:p>
           <a:p>
-            <a:pPr marL="343080" indent="-341640">
+            <a:pPr marL="343080" indent="-341280">
               <a:lnSpc>
                 <a:spcPct val="100000"/>
               </a:lnSpc>
@@ -17027,7 +17343,7 @@
             </a:endParaRPr>
           </a:p>
           <a:p>
-            <a:pPr lvl="1" marL="743040" indent="-284400">
+            <a:pPr lvl="1" marL="743040" indent="-284040">
               <a:lnSpc>
                 <a:spcPct val="100000"/>
               </a:lnSpc>
@@ -17058,7 +17374,7 @@
             </a:endParaRPr>
           </a:p>
           <a:p>
-            <a:pPr lvl="1" marL="743040" indent="-284400">
+            <a:pPr lvl="1" marL="743040" indent="-284040">
               <a:lnSpc>
                 <a:spcPct val="100000"/>
               </a:lnSpc>
@@ -17089,7 +17405,7 @@
             </a:endParaRPr>
           </a:p>
           <a:p>
-            <a:pPr marL="743040" indent="-284400">
+            <a:pPr marL="743040" indent="-284040">
               <a:lnSpc>
                 <a:spcPct val="100000"/>
               </a:lnSpc>
@@ -17105,7 +17421,7 @@
             </a:endParaRPr>
           </a:p>
           <a:p>
-            <a:pPr marL="743040" indent="-284400">
+            <a:pPr marL="743040" indent="-284040">
               <a:lnSpc>
                 <a:spcPct val="100000"/>
               </a:lnSpc>
@@ -17151,7 +17467,7 @@
             </a:endParaRPr>
           </a:p>
           <a:p>
-            <a:pPr marL="743040" indent="-284400">
+            <a:pPr marL="743040" indent="-284040">
               <a:lnSpc>
                 <a:spcPct val="100000"/>
               </a:lnSpc>
@@ -17177,7 +17493,7 @@
             </a:endParaRPr>
           </a:p>
           <a:p>
-            <a:pPr marL="743040" indent="-284400">
+            <a:pPr marL="743040" indent="-284040">
               <a:lnSpc>
                 <a:spcPct val="100000"/>
               </a:lnSpc>
@@ -17193,7 +17509,7 @@
             </a:endParaRPr>
           </a:p>
           <a:p>
-            <a:pPr marL="743040" indent="-284400">
+            <a:pPr marL="743040" indent="-284040">
               <a:lnSpc>
                 <a:spcPct val="100000"/>
               </a:lnSpc>
@@ -17209,7 +17525,7 @@
             </a:endParaRPr>
           </a:p>
           <a:p>
-            <a:pPr marL="743040" indent="-284400">
+            <a:pPr marL="743040" indent="-284040">
               <a:lnSpc>
                 <a:spcPct val="100000"/>
               </a:lnSpc>
@@ -17262,7 +17578,7 @@
         <p:spPr>
           <a:xfrm>
             <a:off x="457200" y="274680"/>
-            <a:ext cx="8228160" cy="1141560"/>
+            <a:ext cx="8227800" cy="1141200"/>
           </a:xfrm>
           <a:prstGeom prst="rect">
             <a:avLst/>
@@ -17313,7 +17629,7 @@
         <p:spPr>
           <a:xfrm>
             <a:off x="457200" y="1600200"/>
-            <a:ext cx="8228160" cy="4524480"/>
+            <a:ext cx="8227800" cy="4524120"/>
           </a:xfrm>
           <a:prstGeom prst="rect">
             <a:avLst/>
@@ -17334,7 +17650,7 @@
             <a:normAutofit/>
           </a:bodyPr>
           <a:p>
-            <a:pPr marL="343080" indent="-341640">
+            <a:pPr marL="343080" indent="-341280">
               <a:lnSpc>
                 <a:spcPct val="100000"/>
               </a:lnSpc>
@@ -17360,7 +17676,7 @@
             </a:endParaRPr>
           </a:p>
           <a:p>
-            <a:pPr marL="343080" indent="-341640">
+            <a:pPr marL="343080" indent="-341280">
               <a:lnSpc>
                 <a:spcPct val="100000"/>
               </a:lnSpc>
@@ -17391,7 +17707,7 @@
             </a:endParaRPr>
           </a:p>
           <a:p>
-            <a:pPr marL="343080" indent="-341640">
+            <a:pPr marL="343080" indent="-341280">
               <a:lnSpc>
                 <a:spcPct val="100000"/>
               </a:lnSpc>
@@ -17422,7 +17738,7 @@
             </a:endParaRPr>
           </a:p>
           <a:p>
-            <a:pPr marL="343080" indent="-341640">
+            <a:pPr marL="343080" indent="-341280">
               <a:lnSpc>
                 <a:spcPct val="100000"/>
               </a:lnSpc>
@@ -17453,7 +17769,7 @@
             </a:endParaRPr>
           </a:p>
           <a:p>
-            <a:pPr marL="343080" indent="-341640">
+            <a:pPr marL="343080" indent="-341280">
               <a:lnSpc>
                 <a:spcPct val="100000"/>
               </a:lnSpc>
@@ -17469,7 +17785,7 @@
             </a:endParaRPr>
           </a:p>
           <a:p>
-            <a:pPr marL="343080" indent="-341640">
+            <a:pPr marL="343080" indent="-341280">
               <a:lnSpc>
                 <a:spcPct val="100000"/>
               </a:lnSpc>
@@ -17545,7 +17861,7 @@
         <p:spPr>
           <a:xfrm>
             <a:off x="457200" y="274680"/>
-            <a:ext cx="8228160" cy="1141560"/>
+            <a:ext cx="8227800" cy="1141200"/>
           </a:xfrm>
           <a:prstGeom prst="rect">
             <a:avLst/>
@@ -17596,7 +17912,7 @@
         <p:spPr>
           <a:xfrm>
             <a:off x="457200" y="1600200"/>
-            <a:ext cx="8228160" cy="4524480"/>
+            <a:ext cx="8227800" cy="4524120"/>
           </a:xfrm>
           <a:prstGeom prst="rect">
             <a:avLst/>
@@ -17617,7 +17933,7 @@
             <a:normAutofit/>
           </a:bodyPr>
           <a:p>
-            <a:pPr marL="343080" indent="-341640">
+            <a:pPr marL="343080" indent="-341280">
               <a:lnSpc>
                 <a:spcPct val="100000"/>
               </a:lnSpc>
@@ -17657,7 +17973,7 @@
             </a:endParaRPr>
           </a:p>
           <a:p>
-            <a:pPr marL="343080" indent="-341640">
+            <a:pPr marL="343080" indent="-341280">
               <a:lnSpc>
                 <a:spcPct val="100000"/>
               </a:lnSpc>
@@ -17693,7 +18009,7 @@
             </a:endParaRPr>
           </a:p>
           <a:p>
-            <a:pPr marL="343080" indent="-341640">
+            <a:pPr marL="343080" indent="-341280">
               <a:lnSpc>
                 <a:spcPct val="100000"/>
               </a:lnSpc>
@@ -17724,7 +18040,7 @@
             </a:endParaRPr>
           </a:p>
           <a:p>
-            <a:pPr marL="343080" indent="-341640">
+            <a:pPr marL="343080" indent="-341280">
               <a:lnSpc>
                 <a:spcPct val="100000"/>
               </a:lnSpc>
@@ -17795,7 +18111,7 @@
         <p:spPr>
           <a:xfrm>
             <a:off x="457200" y="274680"/>
-            <a:ext cx="8228160" cy="1141560"/>
+            <a:ext cx="8227800" cy="1141200"/>
           </a:xfrm>
           <a:prstGeom prst="rect">
             <a:avLst/>
@@ -17846,7 +18162,7 @@
         <p:spPr>
           <a:xfrm>
             <a:off x="457200" y="1600200"/>
-            <a:ext cx="8228160" cy="4524480"/>
+            <a:ext cx="8227800" cy="4524120"/>
           </a:xfrm>
           <a:prstGeom prst="rect">
             <a:avLst/>
@@ -17867,7 +18183,7 @@
             <a:normAutofit fontScale="61000"/>
           </a:bodyPr>
           <a:p>
-            <a:pPr marL="343080" indent="-341640">
+            <a:pPr marL="343080" indent="-341280">
               <a:lnSpc>
                 <a:spcPct val="100000"/>
               </a:lnSpc>
@@ -17923,7 +18239,7 @@
             </a:endParaRPr>
           </a:p>
           <a:p>
-            <a:pPr marL="343080" indent="-341640">
+            <a:pPr marL="343080" indent="-341280">
               <a:lnSpc>
                 <a:spcPct val="100000"/>
               </a:lnSpc>
@@ -17959,7 +18275,7 @@
             </a:endParaRPr>
           </a:p>
           <a:p>
-            <a:pPr marL="343080" indent="-341640">
+            <a:pPr marL="343080" indent="-341280">
               <a:lnSpc>
                 <a:spcPct val="100000"/>
               </a:lnSpc>
@@ -18016,7 +18332,7 @@
             </a:endParaRPr>
           </a:p>
           <a:p>
-            <a:pPr marL="343080" indent="-341640">
+            <a:pPr marL="343080" indent="-341280">
               <a:lnSpc>
                 <a:spcPct val="100000"/>
               </a:lnSpc>
@@ -18102,7 +18418,7 @@
             </a:endParaRPr>
           </a:p>
           <a:p>
-            <a:pPr marL="343080" indent="-341640">
+            <a:pPr marL="343080" indent="-341280">
               <a:lnSpc>
                 <a:spcPct val="100000"/>
               </a:lnSpc>
@@ -18158,7 +18474,7 @@
             </a:endParaRPr>
           </a:p>
           <a:p>
-            <a:pPr marL="343080" indent="-341640">
+            <a:pPr marL="343080" indent="-341280">
               <a:lnSpc>
                 <a:spcPct val="100000"/>
               </a:lnSpc>
@@ -18204,7 +18520,7 @@
             </a:endParaRPr>
           </a:p>
           <a:p>
-            <a:pPr marL="343080" indent="-341640">
+            <a:pPr marL="343080" indent="-341280">
               <a:lnSpc>
                 <a:spcPct val="100000"/>
               </a:lnSpc>
@@ -18270,7 +18586,7 @@
             </a:endParaRPr>
           </a:p>
           <a:p>
-            <a:pPr marL="343080" indent="-341640">
+            <a:pPr marL="343080" indent="-341280">
               <a:lnSpc>
                 <a:spcPct val="100000"/>
               </a:lnSpc>

--- a/Slides/ISO8601-Presentation.pptx
+++ b/Slides/ISO8601-Presentation.pptx
@@ -53,6 +53,7 @@
     <p:sldId id="300" r:id="rId48"/>
     <p:sldId id="301" r:id="rId49"/>
     <p:sldId id="302" r:id="rId50"/>
+    <p:sldId id="303" r:id="rId51"/>
   </p:sldIdLst>
   <p:sldSz cx="9144000" cy="6858000"/>
   <p:notesSz cx="7772400" cy="10058400"/>
@@ -10868,7 +10869,7 @@
                 <a:latin typeface="Calibri"/>
                 <a:ea typeface="DejaVu Sans"/>
               </a:rPr>
-              <a:t>some unspecified year in the 1990s.</a:t>
+              <a:t>some unspecified year in the 1990s. (year precision)</a:t>
             </a:r>
             <a:br/>
             <a:r>
@@ -10918,7 +10919,7 @@
                 <a:latin typeface="Calibri"/>
                 <a:ea typeface="DejaVu Sans"/>
               </a:rPr>
-              <a:t>some unspecified year in the 1900s.</a:t>
+              <a:t>some unspecified year in the 1900s. (year precision)</a:t>
             </a:r>
             <a:br/>
             <a:r>
@@ -10968,7 +10969,7 @@
                 <a:latin typeface="Calibri"/>
                 <a:ea typeface="DejaVu Sans"/>
               </a:rPr>
-              <a:t>some month in 1999</a:t>
+              <a:t>some month in 1999 (month precision)</a:t>
             </a:r>
             <a:br/>
             <a:r>
@@ -11018,7 +11019,7 @@
                 <a:latin typeface="Calibri"/>
                 <a:ea typeface="DejaVu Sans"/>
               </a:rPr>
-              <a:t>some day in January 1999 </a:t>
+              <a:t>some day in January 1999 (day precision)</a:t>
             </a:r>
             <a:br/>
             <a:r>
@@ -11068,7 +11069,7 @@
                 <a:latin typeface="Calibri"/>
                 <a:ea typeface="DejaVu Sans"/>
               </a:rPr>
-              <a:t>some day in 1999 </a:t>
+              <a:t>some day in 1999 (day precision) </a:t>
             </a:r>
             <a:endParaRPr b="0" lang="en-US" sz="2300" spc="-1" strike="noStrike">
               <a:latin typeface="Arial"/>
@@ -13999,7 +14000,7 @@
                 <a:latin typeface="Arial"/>
                 <a:ea typeface="DejaVu Sans"/>
               </a:rPr>
-              <a:t>ISO 8601:2019 Part 2 finally published in 2019</a:t>
+              <a:t>ISO 8601:2019 Part 2 finally published in 2019 (and since 2020 being ratified by many national bodies)</a:t>
             </a:r>
             <a:endParaRPr b="0" lang="en-US" sz="2600" spc="-1" strike="noStrike">
               <a:latin typeface="Arial"/>
@@ -14029,7 +14030,7 @@
                 <a:latin typeface="Arial"/>
                 <a:ea typeface="DejaVu Sans"/>
               </a:rPr>
-              <a:t>In ISO-8601:2019 extensions there are two levels defined: 1 and 2 (in contrast to EDTF’s 3).</a:t>
+              <a:t>In ISO-8601:2019 extensions there are two levels defined: 1 and 2 (in contrast to EDTF’s 3 given that the standard has been advanced to support EDTF features).</a:t>
             </a:r>
             <a:endParaRPr b="0" lang="en-US" sz="2600" spc="-1" strike="noStrike">
               <a:latin typeface="Arial"/>
@@ -14059,7 +14060,7 @@
                 <a:latin typeface="Arial"/>
                 <a:ea typeface="DejaVu Sans"/>
               </a:rPr>
-              <a:t>Example:</a:t>
+              <a:t>Example of Level-1 vs Level-2:</a:t>
             </a:r>
             <a:endParaRPr b="0" lang="en-US" sz="2400" spc="-1" strike="noStrike">
               <a:latin typeface="Arial"/>
@@ -14132,7 +14133,7 @@
               </a:lnSpc>
             </a:pPr>
             <a:r>
-              <a:rPr b="0" lang="en-US" sz="2200" spc="-1" strike="noStrike">
+              <a:rPr b="0" lang="en-US" sz="2000" spc="-1" strike="noStrike">
                 <a:solidFill>
                   <a:srgbClr val="000000"/>
                 </a:solidFill>
@@ -14141,7 +14142,7 @@
               </a:rPr>
               <a:t>Level 1:  ‘X’ may be substituted for the right-most digits, e.g. day, day and month, …</a:t>
             </a:r>
-            <a:endParaRPr b="0" lang="en-US" sz="2200" spc="-1" strike="noStrike">
+            <a:endParaRPr b="0" lang="en-US" sz="2000" spc="-1" strike="noStrike">
               <a:latin typeface="Arial"/>
             </a:endParaRPr>
           </a:p>
@@ -14152,7 +14153,7 @@
               </a:lnSpc>
             </a:pPr>
             <a:r>
-              <a:rPr b="0" lang="en-US" sz="2200" spc="-1" strike="noStrike">
+              <a:rPr b="0" lang="en-US" sz="2000" spc="-1" strike="noStrike">
                 <a:solidFill>
                   <a:srgbClr val="000000"/>
                 </a:solidFill>
@@ -14161,7 +14162,7 @@
               </a:rPr>
               <a:t>Level 2:  ‘X’ may be used as a replacement for any character in the string.</a:t>
             </a:r>
-            <a:endParaRPr b="0" lang="en-US" sz="2200" spc="-1" strike="noStrike">
+            <a:endParaRPr b="0" lang="en-US" sz="2000" spc="-1" strike="noStrike">
               <a:latin typeface="Arial"/>
             </a:endParaRPr>
           </a:p>
@@ -14171,7 +14172,7 @@
                 <a:spcPct val="100000"/>
               </a:lnSpc>
             </a:pPr>
-            <a:endParaRPr b="0" lang="en-US" sz="2200" spc="-1" strike="noStrike">
+            <a:endParaRPr b="0" lang="en-US" sz="2000" spc="-1" strike="noStrike">
               <a:latin typeface="Arial"/>
             </a:endParaRPr>
           </a:p>
@@ -14181,7 +14182,7 @@
                 <a:spcPct val="100000"/>
               </a:lnSpc>
             </a:pPr>
-            <a:endParaRPr b="0" lang="en-US" sz="2200" spc="-1" strike="noStrike">
+            <a:endParaRPr b="0" lang="en-US" sz="2000" spc="-1" strike="noStrike">
               <a:latin typeface="Arial"/>
             </a:endParaRPr>
           </a:p>
@@ -14191,7 +14192,7 @@
                 <a:spcPct val="100000"/>
               </a:lnSpc>
             </a:pPr>
-            <a:endParaRPr b="0" lang="en-US" sz="2200" spc="-1" strike="noStrike">
+            <a:endParaRPr b="0" lang="en-US" sz="2000" spc="-1" strike="noStrike">
               <a:latin typeface="Arial"/>
             </a:endParaRPr>
           </a:p>
@@ -14293,6 +14294,26 @@
               </a:lnSpc>
             </a:pPr>
             <a:r>
+              <a:rPr b="1" lang="en-US" sz="2000" spc="-1" strike="noStrike">
+                <a:solidFill>
+                  <a:srgbClr val="000000"/>
+                </a:solidFill>
+                <a:latin typeface="Arial"/>
+                <a:ea typeface="DejaVu Sans"/>
+              </a:rPr>
+              <a:t>Level 1: </a:t>
+            </a:r>
+            <a:endParaRPr b="0" lang="en-US" sz="2000" spc="-1" strike="noStrike">
+              <a:latin typeface="Arial"/>
+            </a:endParaRPr>
+          </a:p>
+          <a:p>
+            <a:pPr>
+              <a:lnSpc>
+                <a:spcPct val="100000"/>
+              </a:lnSpc>
+            </a:pPr>
+            <a:r>
               <a:rPr b="0" lang="en-US" sz="2000" spc="-1" strike="noStrike">
                 <a:solidFill>
                   <a:srgbClr val="000000"/>
@@ -14300,7 +14321,7 @@
                 <a:latin typeface="Arial"/>
                 <a:ea typeface="DejaVu Sans"/>
               </a:rPr>
-              <a:t>Level 1: The values 21, 22, 23, 24 may be used to signify ' Spring', 'Summer', 'Autumn', 'Winter', respectively.  Example: 2020-21 for Spring 2020</a:t>
+              <a:t>The values 21, 22, 23, 24 may be used to signify ' Spring', 'Summer', 'Autumn', 'Winter', respectively.  Example: 2020-21 for Spring 2020</a:t>
             </a:r>
             <a:endParaRPr b="0" lang="en-US" sz="2000" spc="-1" strike="noStrike">
               <a:latin typeface="Arial"/>
@@ -14313,6 +14334,26 @@
               </a:lnSpc>
             </a:pPr>
             <a:endParaRPr b="0" lang="en-US" sz="2000" spc="-1" strike="noStrike">
+              <a:latin typeface="Arial"/>
+            </a:endParaRPr>
+          </a:p>
+          <a:p>
+            <a:pPr>
+              <a:lnSpc>
+                <a:spcPct val="100000"/>
+              </a:lnSpc>
+            </a:pPr>
+            <a:r>
+              <a:rPr b="1" lang="en-US" sz="1800" spc="-1" strike="noStrike">
+                <a:solidFill>
+                  <a:srgbClr val="000000"/>
+                </a:solidFill>
+                <a:latin typeface="Arial"/>
+                <a:ea typeface="DejaVu Sans"/>
+              </a:rPr>
+              <a:t>Level 2:</a:t>
+            </a:r>
+            <a:endParaRPr b="0" lang="en-US" sz="1800" spc="-1" strike="noStrike">
               <a:latin typeface="Arial"/>
             </a:endParaRPr>
           </a:p>
@@ -14765,12 +14806,12 @@
               </a:lnSpc>
             </a:pPr>
             <a:r>
-              <a:rPr b="1" lang="en-US" sz="1800" spc="-1" strike="noStrike">
+              <a:rPr b="1" lang="en-US" sz="2000" spc="-1" strike="noStrike">
                 <a:latin typeface="Arial"/>
               </a:rPr>
               <a:t>RFC-3339 </a:t>
             </a:r>
-            <a:endParaRPr b="0" lang="en-US" sz="1800" spc="-1" strike="noStrike">
+            <a:endParaRPr b="0" lang="en-US" sz="2000" spc="-1" strike="noStrike">
               <a:latin typeface="Arial"/>
             </a:endParaRPr>
           </a:p>
@@ -14780,7 +14821,7 @@
                 <a:spcPct val="100000"/>
               </a:lnSpc>
             </a:pPr>
-            <a:endParaRPr b="0" lang="en-US" sz="1800" spc="-1" strike="noStrike">
+            <a:endParaRPr b="0" lang="en-US" sz="2000" spc="-1" strike="noStrike">
               <a:latin typeface="Arial"/>
             </a:endParaRPr>
           </a:p>
@@ -14791,12 +14832,12 @@
               </a:lnSpc>
             </a:pPr>
             <a:r>
-              <a:rPr b="0" lang="en-US" sz="1800" spc="-1" strike="noStrike">
+              <a:rPr b="0" lang="en-US" sz="2000" spc="-1" strike="noStrike">
                 <a:latin typeface="Arial"/>
               </a:rPr>
               <a:t>The RFC is the IETF standard for “Date and Time on the Internet: Timestamps”.</a:t>
             </a:r>
-            <a:endParaRPr b="0" lang="en-US" sz="1800" spc="-1" strike="noStrike">
+            <a:endParaRPr b="0" lang="en-US" sz="2000" spc="-1" strike="noStrike">
               <a:latin typeface="Arial"/>
             </a:endParaRPr>
           </a:p>
@@ -14806,7 +14847,7 @@
                 <a:spcPct val="100000"/>
               </a:lnSpc>
             </a:pPr>
-            <a:endParaRPr b="0" lang="en-US" sz="1800" spc="-1" strike="noStrike">
+            <a:endParaRPr b="0" lang="en-US" sz="2000" spc="-1" strike="noStrike">
               <a:latin typeface="Arial"/>
             </a:endParaRPr>
           </a:p>
@@ -14817,12 +14858,12 @@
               </a:lnSpc>
             </a:pPr>
             <a:r>
-              <a:rPr b="0" lang="en-US" sz="1800" spc="-1" strike="noStrike">
+              <a:rPr b="0" lang="en-US" sz="2000" spc="-1" strike="noStrike">
                 <a:latin typeface="Arial"/>
               </a:rPr>
               <a:t>Is a profile (subset) of ISO 8601:1988.  Its only “extension” is that it permits the space separator for time, e.g. 2021-10-09 01:23:00Z</a:t>
             </a:r>
-            <a:endParaRPr b="0" lang="en-US" sz="1800" spc="-1" strike="noStrike">
+            <a:endParaRPr b="0" lang="en-US" sz="2000" spc="-1" strike="noStrike">
               <a:latin typeface="Arial"/>
             </a:endParaRPr>
           </a:p>
@@ -14832,7 +14873,7 @@
                 <a:spcPct val="100000"/>
               </a:lnSpc>
             </a:pPr>
-            <a:endParaRPr b="0" lang="en-US" sz="1800" spc="-1" strike="noStrike">
+            <a:endParaRPr b="0" lang="en-US" sz="2000" spc="-1" strike="noStrike">
               <a:latin typeface="Arial"/>
             </a:endParaRPr>
           </a:p>
@@ -14843,12 +14884,12 @@
               </a:lnSpc>
             </a:pPr>
             <a:r>
-              <a:rPr b="0" lang="en-US" sz="1800" spc="-1" strike="noStrike">
+              <a:rPr b="0" lang="en-US" sz="2000" spc="-1" strike="noStrike">
                 <a:latin typeface="Arial"/>
               </a:rPr>
               <a:t>Many products that claim ISO-8601 (typically without an edition listed) don’t but are more or less based on this RFC.</a:t>
             </a:r>
-            <a:endParaRPr b="0" lang="en-US" sz="1800" spc="-1" strike="noStrike">
+            <a:endParaRPr b="0" lang="en-US" sz="2000" spc="-1" strike="noStrike">
               <a:latin typeface="Arial"/>
             </a:endParaRPr>
           </a:p>
@@ -14858,7 +14899,7 @@
                 <a:spcPct val="100000"/>
               </a:lnSpc>
             </a:pPr>
-            <a:endParaRPr b="0" lang="en-US" sz="1800" spc="-1" strike="noStrike">
+            <a:endParaRPr b="0" lang="en-US" sz="2000" spc="-1" strike="noStrike">
               <a:latin typeface="Arial"/>
             </a:endParaRPr>
           </a:p>
@@ -14868,7 +14909,7 @@
                 <a:spcPct val="100000"/>
               </a:lnSpc>
             </a:pPr>
-            <a:endParaRPr b="0" lang="en-US" sz="1800" spc="-1" strike="noStrike">
+            <a:endParaRPr b="0" lang="en-US" sz="2000" spc="-1" strike="noStrike">
               <a:latin typeface="Arial"/>
             </a:endParaRPr>
           </a:p>
@@ -14879,12 +14920,12 @@
               </a:lnSpc>
             </a:pPr>
             <a:r>
-              <a:rPr b="1" lang="en-US" sz="1800" spc="-1" strike="noStrike">
+              <a:rPr b="1" lang="en-US" sz="2000" spc="-1" strike="noStrike">
                 <a:latin typeface="Arial"/>
               </a:rPr>
               <a:t>RFC-2822/RFC-822 Dates</a:t>
             </a:r>
-            <a:endParaRPr b="0" lang="en-US" sz="1800" spc="-1" strike="noStrike">
+            <a:endParaRPr b="0" lang="en-US" sz="2000" spc="-1" strike="noStrike">
               <a:latin typeface="Arial"/>
             </a:endParaRPr>
           </a:p>
@@ -14894,7 +14935,7 @@
                 <a:spcPct val="100000"/>
               </a:lnSpc>
             </a:pPr>
-            <a:endParaRPr b="0" lang="en-US" sz="1800" spc="-1" strike="noStrike">
+            <a:endParaRPr b="0" lang="en-US" sz="2000" spc="-1" strike="noStrike">
               <a:latin typeface="Arial"/>
             </a:endParaRPr>
           </a:p>
@@ -14905,12 +14946,12 @@
               </a:lnSpc>
             </a:pPr>
             <a:r>
-              <a:rPr b="0" lang="en-US" sz="1800" spc="-1" strike="noStrike">
+              <a:rPr b="0" lang="en-US" sz="2000" spc="-1" strike="noStrike">
                 <a:latin typeface="Arial"/>
               </a:rPr>
               <a:t>The RFC is the IETF standard for “Internet Message Format”. It is another beast.. and well.. not really the domain of this talk.. But our library….</a:t>
             </a:r>
-            <a:endParaRPr b="0" lang="en-US" sz="1800" spc="-1" strike="noStrike">
+            <a:endParaRPr b="0" lang="en-US" sz="2000" spc="-1" strike="noStrike">
               <a:latin typeface="Arial"/>
             </a:endParaRPr>
           </a:p>
@@ -14920,7 +14961,7 @@
                 <a:spcPct val="100000"/>
               </a:lnSpc>
             </a:pPr>
-            <a:endParaRPr b="0" lang="en-US" sz="1800" spc="-1" strike="noStrike">
+            <a:endParaRPr b="0" lang="en-US" sz="2000" spc="-1" strike="noStrike">
               <a:latin typeface="Arial"/>
             </a:endParaRPr>
           </a:p>
@@ -14930,7 +14971,7 @@
                 <a:spcPct val="100000"/>
               </a:lnSpc>
             </a:pPr>
-            <a:endParaRPr b="0" lang="en-US" sz="1800" spc="-1" strike="noStrike">
+            <a:endParaRPr b="0" lang="en-US" sz="2000" spc="-1" strike="noStrike">
               <a:latin typeface="Arial"/>
             </a:endParaRPr>
           </a:p>
@@ -14940,7 +14981,7 @@
                 <a:spcPct val="100000"/>
               </a:lnSpc>
             </a:pPr>
-            <a:endParaRPr b="0" lang="en-US" sz="1800" spc="-1" strike="noStrike">
+            <a:endParaRPr b="0" lang="en-US" sz="2000" spc="-1" strike="noStrike">
               <a:latin typeface="Arial"/>
             </a:endParaRPr>
           </a:p>
@@ -16445,7 +16486,7 @@
       </p:grpSpPr>
       <p:sp>
         <p:nvSpPr>
-          <p:cNvPr id="163" name="Title 1"/>
+          <p:cNvPr id="163" name="Title 1_0"/>
           <p:cNvSpPr/>
           <p:nvPr/>
         </p:nvSpPr>
@@ -16471,7 +16512,7 @@
       </p:sp>
       <p:sp>
         <p:nvSpPr>
-          <p:cNvPr id="164" name="Content Placeholder 2"/>
+          <p:cNvPr id="164" name="Content Placeholder 2_0"/>
           <p:cNvSpPr/>
           <p:nvPr/>
         </p:nvSpPr>
@@ -16685,16 +16726,36 @@
               </a:lnSpc>
             </a:pPr>
             <a:r>
-              <a:rPr b="0" lang="en-US" sz="2600" spc="-1" strike="noStrike">
+              <a:rPr b="1" lang="en-US" sz="2800" spc="-1" strike="noStrike">
                 <a:solidFill>
                   <a:srgbClr val="000000"/>
                 </a:solidFill>
                 <a:latin typeface="Arial"/>
                 <a:ea typeface="DejaVu Sans"/>
               </a:rPr>
-              <a:t>EDTF is still freely available (albeit hidden):</a:t>
-            </a:r>
-            <a:endParaRPr b="0" lang="en-US" sz="2600" spc="-1" strike="noStrike">
+              <a:t>EDTF is still freely available:</a:t>
+            </a:r>
+            <a:endParaRPr b="1" lang="en-US" sz="2800" spc="-1" strike="noStrike">
+              <a:latin typeface="Arial"/>
+            </a:endParaRPr>
+          </a:p>
+          <a:p>
+            <a:pPr>
+              <a:lnSpc>
+                <a:spcPct val="100000"/>
+              </a:lnSpc>
+            </a:pPr>
+            <a:endParaRPr b="1" lang="en-US" sz="2800" spc="-1" strike="noStrike">
+              <a:latin typeface="Arial"/>
+            </a:endParaRPr>
+          </a:p>
+          <a:p>
+            <a:pPr>
+              <a:lnSpc>
+                <a:spcPct val="100000"/>
+              </a:lnSpc>
+            </a:pPr>
+            <a:endParaRPr b="1" lang="en-US" sz="2800" spc="-1" strike="noStrike">
               <a:latin typeface="Arial"/>
             </a:endParaRPr>
           </a:p>
@@ -16746,6 +16807,164 @@
               <a:t>And, of course, ISO 8601:2019 is availble from ISO (€€€)</a:t>
             </a:r>
             <a:endParaRPr b="0" lang="en-US" sz="2600" spc="-1" strike="noStrike">
+              <a:latin typeface="Arial"/>
+            </a:endParaRPr>
+          </a:p>
+        </p:txBody>
+      </p:sp>
+    </p:spTree>
+  </p:cSld>
+  <mc:AlternateContent>
+    <mc:Choice Requires="p14">
+      <p:transition spd="slow" p14:dur="2000"/>
+    </mc:Choice>
+    <mc:Fallback>
+      <p:transition spd="slow"/>
+    </mc:Fallback>
+  </mc:AlternateContent>
+</p:sld>
+</file>
+
+<file path=ppt/slides/slide48.xml><?xml version="1.0" encoding="utf-8"?>
+<p:sld xmlns:a="http://schemas.openxmlformats.org/drawingml/2006/main" xmlns:p="http://schemas.openxmlformats.org/presentationml/2006/main" xmlns:r="http://schemas.openxmlformats.org/officeDocument/2006/relationships" xmlns:p14="http://schemas.microsoft.com/office/powerpoint/2010/main" xmlns:p15="http://schemas.microsoft.com/office/powerpoint/2012/main" xmlns:mc="http://schemas.openxmlformats.org/markup-compatibility/2006">
+  <p:cSld>
+    <p:spTree>
+      <p:nvGrpSpPr>
+        <p:cNvPr id="1" name=""/>
+        <p:cNvGrpSpPr/>
+        <p:nvPr/>
+      </p:nvGrpSpPr>
+      <p:grpSpPr>
+        <a:xfrm>
+          <a:off x="0" y="0"/>
+          <a:ext cx="0" cy="0"/>
+          <a:chOff x="0" y="0"/>
+          <a:chExt cx="0" cy="0"/>
+        </a:xfrm>
+      </p:grpSpPr>
+      <p:sp>
+        <p:nvSpPr>
+          <p:cNvPr id="167" name=""/>
+          <p:cNvSpPr txBox="1"/>
+          <p:nvPr/>
+        </p:nvSpPr>
+        <p:spPr>
+          <a:xfrm>
+            <a:off x="228600" y="901080"/>
+            <a:ext cx="8458200" cy="4643640"/>
+          </a:xfrm>
+          <a:prstGeom prst="rect">
+            <a:avLst/>
+          </a:prstGeom>
+          <a:noFill/>
+          <a:ln w="0">
+            <a:noFill/>
+          </a:ln>
+        </p:spPr>
+        <p:txBody>
+          <a:bodyPr lIns="90000" rIns="90000" tIns="45000" bIns="45000">
+            <a:noAutofit/>
+          </a:bodyPr>
+          <a:p>
+            <a:r>
+              <a:rPr b="0" lang="en-US" sz="1800" spc="-1" strike="noStrike">
+                <a:latin typeface="Arial"/>
+              </a:rPr>
+              <a:t>The repo </a:t>
+            </a:r>
+            <a:r>
+              <a:rPr b="0" lang="en-US" sz="1800" spc="-1" strike="noStrike">
+                <a:latin typeface="Arial"/>
+                <a:hlinkClick r:id="rId1"/>
+              </a:rPr>
+              <a:t>https://github.com/re-Isearch/date</a:t>
+            </a:r>
+            <a:r>
+              <a:rPr b="0" lang="en-US" sz="1800" spc="-1" strike="noStrike">
+                <a:latin typeface="Arial"/>
+              </a:rPr>
+              <a:t>:</a:t>
+            </a:r>
+            <a:endParaRPr b="0" lang="en-US" sz="1800" spc="-1" strike="noStrike">
+              <a:latin typeface="Arial"/>
+            </a:endParaRPr>
+          </a:p>
+          <a:p>
+            <a:endParaRPr b="0" lang="en-US" sz="1800" spc="-1" strike="noStrike">
+              <a:latin typeface="Arial"/>
+            </a:endParaRPr>
+          </a:p>
+          <a:p>
+            <a:r>
+              <a:rPr b="0" lang="en-US" sz="1800" spc="-1" strike="noStrike">
+                <a:latin typeface="Arial"/>
+              </a:rPr>
+              <a:t>contains a fork of the date parser from the re-Isearch project (an open source search engine) designed/intended for use in other projects. Among the changes it uses std:string instead of the re-Isearch's own STRING class.</a:t>
+            </a:r>
+            <a:endParaRPr b="0" lang="en-US" sz="1800" spc="-1" strike="noStrike">
+              <a:latin typeface="Arial"/>
+            </a:endParaRPr>
+          </a:p>
+          <a:p>
+            <a:endParaRPr b="0" lang="en-US" sz="1800" spc="-1" strike="noStrike">
+              <a:latin typeface="Arial"/>
+            </a:endParaRPr>
+          </a:p>
+          <a:p>
+            <a:r>
+              <a:rPr b="0" lang="en-US" sz="1800" spc="-1" strike="noStrike">
+                <a:latin typeface="Arial"/>
+              </a:rPr>
+              <a:t>The above repository also contains the latest generic version of this presentation</a:t>
+            </a:r>
+            <a:endParaRPr b="0" lang="en-US" sz="1800" spc="-1" strike="noStrike">
+              <a:latin typeface="Arial"/>
+            </a:endParaRPr>
+          </a:p>
+          <a:p>
+            <a:endParaRPr b="0" lang="en-US" sz="1800" spc="-1" strike="noStrike">
+              <a:latin typeface="Arial"/>
+            </a:endParaRPr>
+          </a:p>
+          <a:p>
+            <a:endParaRPr b="0" lang="en-US" sz="1800" spc="-1" strike="noStrike">
+              <a:latin typeface="Arial"/>
+            </a:endParaRPr>
+          </a:p>
+          <a:p>
+            <a:endParaRPr b="0" lang="en-US" sz="1800" spc="-1" strike="noStrike">
+              <a:latin typeface="Arial"/>
+            </a:endParaRPr>
+          </a:p>
+          <a:p>
+            <a:r>
+              <a:rPr b="0" lang="en-US" sz="1500" spc="-1" strike="noStrike">
+                <a:latin typeface="Arial"/>
+              </a:rPr>
+              <a:t>(c) Copyright 2021, Edward C. Zimmermann. </a:t>
+            </a:r>
+            <a:endParaRPr b="0" lang="en-US" sz="1500" spc="-1" strike="noStrike">
+              <a:latin typeface="Arial"/>
+            </a:endParaRPr>
+          </a:p>
+          <a:p>
+            <a:r>
+              <a:rPr b="0" lang="en-US" sz="1500" spc="-1" strike="noStrike">
+                <a:latin typeface="Arial"/>
+              </a:rPr>
+              <a:t>It is provided under the  “Attribution 4.0 International (CC BY 4.0) License”. This means that you are free to share (copy and redistribute the material in any medium or format) and/or adapt (remix, transform, and build upon the material for any purpose, even commercially) this presentation under the terms that you give fair attribution.  You must give appropriate credit, provide a link to the  license, and indicate if changes were made. You may do so in any reasonable manner, but not in any way that suggests the licensor endorses you or your use. </a:t>
+            </a:r>
+            <a:endParaRPr b="0" lang="en-US" sz="1500" spc="-1" strike="noStrike">
+              <a:latin typeface="Arial"/>
+            </a:endParaRPr>
+          </a:p>
+          <a:p>
+            <a:endParaRPr b="0" lang="en-US" sz="1500" spc="-1" strike="noStrike">
+              <a:latin typeface="Arial"/>
+            </a:endParaRPr>
+          </a:p>
+          <a:p>
+            <a:endParaRPr b="0" lang="en-US" sz="1500" spc="-1" strike="noStrike">
               <a:latin typeface="Arial"/>
             </a:endParaRPr>
           </a:p>
